--- a/Project/Docs/Slides/PPT_PA.pptx
+++ b/Project/Docs/Slides/PPT_PA.pptx
@@ -392,7 +392,7 @@
             <a:fld id="{69E57DC2-970A-4B3E-BB1C-7A09969E49DF}" type="slidenum">
               <a:rPr lang="en-US" dirty="0"/>
               <a:pPr/>
-              <a:t>‹N°›</a:t>
+              <a:t>‹#›</a:t>
             </a:fld>
             <a:endParaRPr lang="en-US" dirty="0"/>
           </a:p>
@@ -691,7 +691,7 @@
           <a:p>
             <a:fld id="{69E57DC2-970A-4B3E-BB1C-7A09969E49DF}" type="slidenum">
               <a:rPr lang="en-US" dirty="0"/>
-              <a:t>‹N°›</a:t>
+              <a:t>‹#›</a:t>
             </a:fld>
             <a:endParaRPr lang="en-US" dirty="0"/>
           </a:p>
@@ -866,7 +866,7 @@
           <a:p>
             <a:fld id="{69E57DC2-970A-4B3E-BB1C-7A09969E49DF}" type="slidenum">
               <a:rPr lang="en-US" dirty="0"/>
-              <a:t>‹N°›</a:t>
+              <a:t>‹#›</a:t>
             </a:fld>
             <a:endParaRPr lang="en-US" dirty="0"/>
           </a:p>
@@ -1031,7 +1031,7 @@
           <a:p>
             <a:fld id="{69E57DC2-970A-4B3E-BB1C-7A09969E49DF}" type="slidenum">
               <a:rPr lang="en-US" dirty="0"/>
-              <a:t>‹N°›</a:t>
+              <a:t>‹#›</a:t>
             </a:fld>
             <a:endParaRPr lang="en-US" dirty="0"/>
           </a:p>
@@ -1331,7 +1331,7 @@
             <a:fld id="{69E57DC2-970A-4B3E-BB1C-7A09969E49DF}" type="slidenum">
               <a:rPr lang="en-US" dirty="0"/>
               <a:pPr/>
-              <a:t>‹N°›</a:t>
+              <a:t>‹#›</a:t>
             </a:fld>
             <a:endParaRPr lang="en-US" dirty="0"/>
           </a:p>
@@ -1694,7 +1694,7 @@
           <a:p>
             <a:fld id="{69E57DC2-970A-4B3E-BB1C-7A09969E49DF}" type="slidenum">
               <a:rPr lang="en-US" dirty="0"/>
-              <a:t>‹N°›</a:t>
+              <a:t>‹#›</a:t>
             </a:fld>
             <a:endParaRPr lang="en-US" dirty="0"/>
           </a:p>
@@ -2166,7 +2166,7 @@
           <a:p>
             <a:fld id="{69E57DC2-970A-4B3E-BB1C-7A09969E49DF}" type="slidenum">
               <a:rPr lang="en-US" dirty="0"/>
-              <a:t>‹N°›</a:t>
+              <a:t>‹#›</a:t>
             </a:fld>
             <a:endParaRPr lang="en-US" dirty="0"/>
           </a:p>
@@ -2279,7 +2279,7 @@
           <a:p>
             <a:fld id="{69E57DC2-970A-4B3E-BB1C-7A09969E49DF}" type="slidenum">
               <a:rPr lang="en-US" dirty="0"/>
-              <a:t>‹N°›</a:t>
+              <a:t>‹#›</a:t>
             </a:fld>
             <a:endParaRPr lang="en-US" dirty="0"/>
           </a:p>
@@ -2369,7 +2369,7 @@
           <a:p>
             <a:fld id="{69E57DC2-970A-4B3E-BB1C-7A09969E49DF}" type="slidenum">
               <a:rPr lang="en-US" dirty="0"/>
-              <a:t>‹N°›</a:t>
+              <a:t>‹#›</a:t>
             </a:fld>
             <a:endParaRPr lang="en-US" dirty="0"/>
           </a:p>
@@ -2738,7 +2738,7 @@
             <a:fld id="{69E57DC2-970A-4B3E-BB1C-7A09969E49DF}" type="slidenum">
               <a:rPr lang="en-US" dirty="0"/>
               <a:pPr/>
-              <a:t>‹N°›</a:t>
+              <a:t>‹#›</a:t>
             </a:fld>
             <a:endParaRPr lang="en-US" dirty="0"/>
           </a:p>
@@ -3123,7 +3123,7 @@
             <a:fld id="{69E57DC2-970A-4B3E-BB1C-7A09969E49DF}" type="slidenum">
               <a:rPr lang="en-US" dirty="0"/>
               <a:pPr/>
-              <a:t>‹N°›</a:t>
+              <a:t>‹#›</a:t>
             </a:fld>
             <a:endParaRPr lang="en-US" dirty="0"/>
           </a:p>
@@ -3404,7 +3404,7 @@
             <a:fld id="{69E57DC2-970A-4B3E-BB1C-7A09969E49DF}" type="slidenum">
               <a:rPr lang="en-US" dirty="0"/>
               <a:pPr/>
-              <a:t>‹N°›</a:t>
+              <a:t>‹#›</a:t>
             </a:fld>
             <a:endParaRPr lang="en-US" dirty="0"/>
           </a:p>
@@ -3898,7 +3898,7 @@
           <a:lstStyle/>
           <a:p>
             <a:pPr algn="ctr"/>
-            <a:endParaRPr lang="en-US"/>
+            <a:endParaRPr lang="en-US" dirty="0"/>
           </a:p>
         </p:txBody>
       </p:sp>
@@ -4335,13 +4335,8 @@
             <a:pPr algn="l"/>
             <a:r>
               <a:rPr lang="fr-FR" sz="1800" b="1" dirty="0"/>
-              <a:t>Intervenant : Nicolas </a:t>
-            </a:r>
-            <a:r>
-              <a:rPr lang="fr-FR" sz="1800" b="1" dirty="0" err="1"/>
-              <a:t>vidal</a:t>
-            </a:r>
-            <a:endParaRPr lang="fr-FR" sz="1800" b="1" dirty="0"/>
+              <a:t>Intervenant : Nicolas vidal</a:t>
+            </a:r>
           </a:p>
         </p:txBody>
       </p:sp>
@@ -4499,12 +4494,8 @@
           <a:p>
             <a:pPr lvl="1"/>
             <a:r>
-              <a:rPr lang="fr-FR" sz="2400" dirty="0" err="1"/>
-              <a:t>Aprentissage</a:t>
-            </a:r>
-            <a:r>
               <a:rPr lang="fr-FR" sz="2400" dirty="0"/>
-              <a:t> supervisé</a:t>
+              <a:t>Apprentissage supervisé</a:t>
             </a:r>
           </a:p>
           <a:p>
@@ -4547,7 +4538,7 @@
         <p:spPr>
           <a:xfrm>
             <a:off x="6710153" y="2311259"/>
-            <a:ext cx="4703569" cy="1613627"/>
+            <a:ext cx="5008605" cy="1613627"/>
           </a:xfrm>
           <a:prstGeom prst="rect">
             <a:avLst/>
@@ -4751,12 +4742,8 @@
           <a:p>
             <a:pPr lvl="1"/>
             <a:r>
-              <a:rPr lang="fr-FR" sz="2400" dirty="0" err="1"/>
-              <a:t>Aprentissage</a:t>
-            </a:r>
-            <a:r>
               <a:rPr lang="fr-FR" sz="2400" dirty="0"/>
-              <a:t> non supervisé</a:t>
+              <a:t>Apprentissage non supervisé</a:t>
             </a:r>
           </a:p>
           <a:p>
@@ -4999,15 +4986,7 @@
           <a:p>
             <a:r>
               <a:rPr lang="fr-FR" sz="2400" dirty="0"/>
-              <a:t>Machine </a:t>
-            </a:r>
-            <a:r>
-              <a:rPr lang="fr-FR" sz="2400" dirty="0" err="1"/>
-              <a:t>learning</a:t>
-            </a:r>
-            <a:r>
-              <a:rPr lang="fr-FR" sz="2400" dirty="0"/>
-              <a:t> :</a:t>
+              <a:t>Machine learning :</a:t>
             </a:r>
           </a:p>
         </p:txBody>
@@ -5154,12 +5133,8 @@
           <a:p>
             <a:pPr lvl="1"/>
             <a:r>
-              <a:rPr lang="fr-FR" sz="2400" dirty="0" err="1"/>
-              <a:t>Aprentissage</a:t>
-            </a:r>
-            <a:r>
               <a:rPr lang="fr-FR" sz="2400" dirty="0"/>
-              <a:t> supervisé</a:t>
+              <a:t>Apprentissage supervisé</a:t>
             </a:r>
           </a:p>
           <a:p>
@@ -5202,7 +5177,7 @@
         <p:spPr>
           <a:xfrm>
             <a:off x="6710153" y="2311259"/>
-            <a:ext cx="4703569" cy="1613627"/>
+            <a:ext cx="4976521" cy="1613627"/>
           </a:xfrm>
           <a:prstGeom prst="rect">
             <a:avLst/>
@@ -5406,12 +5381,8 @@
           <a:p>
             <a:pPr lvl="1"/>
             <a:r>
-              <a:rPr lang="fr-FR" sz="2400" dirty="0" err="1"/>
-              <a:t>Aprentissage</a:t>
-            </a:r>
-            <a:r>
               <a:rPr lang="fr-FR" sz="2400" dirty="0"/>
-              <a:t> non supervisé</a:t>
+              <a:t>Apprentissage non supervisé</a:t>
             </a:r>
           </a:p>
           <a:p>
@@ -5654,15 +5625,7 @@
           <a:p>
             <a:r>
               <a:rPr lang="fr-FR" sz="2400" dirty="0"/>
-              <a:t>Machine </a:t>
-            </a:r>
-            <a:r>
-              <a:rPr lang="fr-FR" sz="2400" dirty="0" err="1"/>
-              <a:t>learning</a:t>
-            </a:r>
-            <a:r>
-              <a:rPr lang="fr-FR" sz="2400" dirty="0"/>
-              <a:t> :</a:t>
+              <a:t>Machine learning :</a:t>
             </a:r>
           </a:p>
         </p:txBody>
@@ -5809,12 +5772,8 @@
           <a:p>
             <a:pPr lvl="1"/>
             <a:r>
-              <a:rPr lang="fr-FR" sz="2400" dirty="0" err="1"/>
-              <a:t>Aprentissage</a:t>
-            </a:r>
-            <a:r>
               <a:rPr lang="fr-FR" sz="2400" dirty="0"/>
-              <a:t> supervisé</a:t>
+              <a:t>Apprentissage supervisé</a:t>
             </a:r>
           </a:p>
           <a:p>
@@ -5853,7 +5812,7 @@
         <p:spPr>
           <a:xfrm>
             <a:off x="6710153" y="2311259"/>
-            <a:ext cx="4703569" cy="1613627"/>
+            <a:ext cx="4976521" cy="1613627"/>
           </a:xfrm>
           <a:prstGeom prst="rect">
             <a:avLst/>
@@ -6057,12 +6016,8 @@
           <a:p>
             <a:pPr lvl="1"/>
             <a:r>
-              <a:rPr lang="fr-FR" sz="2400" dirty="0" err="1"/>
-              <a:t>Aprentissage</a:t>
-            </a:r>
-            <a:r>
               <a:rPr lang="fr-FR" sz="2400" dirty="0"/>
-              <a:t> non supervisé</a:t>
+              <a:t>Apprentissage non supervisé</a:t>
             </a:r>
           </a:p>
           <a:p>
@@ -6309,15 +6264,7 @@
           <a:p>
             <a:r>
               <a:rPr lang="fr-FR" sz="2400" dirty="0"/>
-              <a:t>Machine </a:t>
-            </a:r>
-            <a:r>
-              <a:rPr lang="fr-FR" sz="2400" dirty="0" err="1"/>
-              <a:t>learning</a:t>
-            </a:r>
-            <a:r>
-              <a:rPr lang="fr-FR" sz="2400" dirty="0"/>
-              <a:t> :</a:t>
+              <a:t>Machine learning :</a:t>
             </a:r>
           </a:p>
         </p:txBody>
@@ -6464,12 +6411,8 @@
           <a:p>
             <a:pPr lvl="1"/>
             <a:r>
-              <a:rPr lang="fr-FR" sz="2400" dirty="0" err="1"/>
-              <a:t>Aprentissage</a:t>
-            </a:r>
-            <a:r>
               <a:rPr lang="fr-FR" sz="2400" dirty="0"/>
-              <a:t> supervisé</a:t>
+              <a:t>Apprentissage supervisé</a:t>
             </a:r>
           </a:p>
           <a:p>
@@ -6508,7 +6451,7 @@
         <p:spPr>
           <a:xfrm>
             <a:off x="6710153" y="2311259"/>
-            <a:ext cx="4703569" cy="1613627"/>
+            <a:ext cx="5185068" cy="1613627"/>
           </a:xfrm>
           <a:prstGeom prst="rect">
             <a:avLst/>
@@ -6712,12 +6655,8 @@
           <a:p>
             <a:pPr lvl="1"/>
             <a:r>
-              <a:rPr lang="fr-FR" sz="2400" dirty="0" err="1"/>
-              <a:t>Aprentissage</a:t>
-            </a:r>
-            <a:r>
               <a:rPr lang="fr-FR" sz="2400" dirty="0"/>
-              <a:t> non supervisé</a:t>
+              <a:t>Apprentissage non supervisé</a:t>
             </a:r>
           </a:p>
           <a:p>
@@ -6964,15 +6903,7 @@
           <a:p>
             <a:r>
               <a:rPr lang="fr-FR" sz="2400" dirty="0"/>
-              <a:t>Machine </a:t>
-            </a:r>
-            <a:r>
-              <a:rPr lang="fr-FR" sz="2400" dirty="0" err="1"/>
-              <a:t>learning</a:t>
-            </a:r>
-            <a:r>
-              <a:rPr lang="fr-FR" sz="2400" dirty="0"/>
-              <a:t> :</a:t>
+              <a:t>Machine learning :</a:t>
             </a:r>
           </a:p>
         </p:txBody>
@@ -7298,7 +7229,7 @@
           <a:lstStyle/>
           <a:p>
             <a:pPr algn="ctr"/>
-            <a:endParaRPr lang="en-US"/>
+            <a:endParaRPr lang="en-US" dirty="0"/>
           </a:p>
         </p:txBody>
       </p:sp>
@@ -7578,12 +7509,8 @@
           <a:lstStyle/>
           <a:p>
             <a:r>
-              <a:rPr lang="fr-FR" sz="2400" dirty="0" err="1"/>
-              <a:t>Modele</a:t>
-            </a:r>
-            <a:r>
               <a:rPr lang="fr-FR" sz="2400" dirty="0"/>
-              <a:t> linéaire</a:t>
+              <a:t>Modèle linéaire</a:t>
             </a:r>
           </a:p>
           <a:p>
@@ -7601,7 +7528,7 @@
           <a:p>
             <a:r>
               <a:rPr lang="fr-FR" sz="2400" dirty="0"/>
-              <a:t>Machine à vecteur de support (SVM)</a:t>
+              <a:t>Machine à vecteurs de support (SVM)</a:t>
             </a:r>
           </a:p>
           <a:p>
@@ -7610,15 +7537,7 @@
           <a:p>
             <a:r>
               <a:rPr lang="fr-FR" sz="2400" dirty="0"/>
-              <a:t>Radial basis </a:t>
-            </a:r>
-            <a:r>
-              <a:rPr lang="fr-FR" sz="2400" dirty="0" err="1"/>
-              <a:t>function</a:t>
-            </a:r>
-            <a:r>
-              <a:rPr lang="fr-FR" sz="2400" dirty="0"/>
-              <a:t> network (RBF)</a:t>
+              <a:t>Radial basis function network (RBF)</a:t>
             </a:r>
           </a:p>
         </p:txBody>
@@ -7938,13 +7857,8 @@
             <a:pPr lvl="2"/>
             <a:r>
               <a:rPr lang="fr-FR" sz="2400" dirty="0"/>
-              <a:t>Règle de </a:t>
-            </a:r>
-            <a:r>
-              <a:rPr lang="fr-FR" sz="2400" dirty="0" err="1"/>
-              <a:t>Rosenblatt</a:t>
-            </a:r>
-            <a:endParaRPr lang="fr-FR" sz="2400" dirty="0"/>
+              <a:t>Règle de Rosenblatt</a:t>
+            </a:r>
           </a:p>
         </p:txBody>
       </p:sp>
@@ -8485,12 +8399,8 @@
           <a:p>
             <a:pPr algn="ctr"/>
             <a:r>
-              <a:rPr lang="fr-FR" sz="6600" b="1" dirty="0" err="1"/>
-              <a:t>Review</a:t>
-            </a:r>
-            <a:r>
               <a:rPr lang="fr-FR" sz="6600" b="1" dirty="0"/>
-              <a:t> du code</a:t>
+              <a:t>Review du code</a:t>
             </a:r>
           </a:p>
         </p:txBody>
@@ -8829,10 +8739,9 @@
           <a:p>
             <a:pPr lvl="1"/>
             <a:r>
-              <a:rPr lang="fr-FR" sz="2400" dirty="0" err="1"/>
+              <a:rPr lang="fr-FR" sz="2400" dirty="0"/>
               <a:t>tanh</a:t>
             </a:r>
-            <a:endParaRPr lang="fr-FR" sz="2400" dirty="0"/>
           </a:p>
           <a:p>
             <a:pPr lvl="1"/>
@@ -8844,10 +8753,9 @@
           <a:p>
             <a:pPr lvl="1"/>
             <a:r>
-              <a:rPr lang="fr-FR" sz="2400" dirty="0" err="1"/>
+              <a:rPr lang="fr-FR" sz="2400" dirty="0"/>
               <a:t>Softmax</a:t>
             </a:r>
-            <a:endParaRPr lang="fr-FR" sz="2400" dirty="0"/>
           </a:p>
           <a:p>
             <a:r>
@@ -9183,12 +9091,8 @@
           <a:p>
             <a:pPr algn="ctr"/>
             <a:r>
-              <a:rPr lang="fr-FR" sz="6600" b="1" dirty="0" err="1"/>
-              <a:t>Review</a:t>
-            </a:r>
-            <a:r>
               <a:rPr lang="fr-FR" sz="6600" b="1" dirty="0"/>
-              <a:t> du code</a:t>
+              <a:t>Review du code</a:t>
             </a:r>
           </a:p>
         </p:txBody>
@@ -9432,18 +9336,13 @@
           <a:p>
             <a:r>
               <a:rPr lang="fr-FR" sz="2400" dirty="0"/>
-              <a:t>Structure du </a:t>
-            </a:r>
-            <a:r>
-              <a:rPr lang="fr-FR" sz="2400" dirty="0" err="1"/>
-              <a:t>dataset</a:t>
-            </a:r>
-            <a:endParaRPr lang="fr-FR" sz="2400" dirty="0"/>
+              <a:t>Structure du dataset</a:t>
+            </a:r>
           </a:p>
           <a:p>
             <a:r>
               <a:rPr lang="fr-FR" sz="2400" dirty="0"/>
-              <a:t>Entrainement des modèles</a:t>
+              <a:t>Entraînement des modèles</a:t>
             </a:r>
           </a:p>
           <a:p>
@@ -9455,29 +9354,8 @@
           <a:p>
             <a:r>
               <a:rPr lang="fr-FR" sz="2400" dirty="0"/>
-              <a:t>Lib machine </a:t>
-            </a:r>
-            <a:r>
-              <a:rPr lang="fr-FR" sz="2400" dirty="0" err="1"/>
-              <a:t>learning</a:t>
-            </a:r>
-            <a:r>
-              <a:rPr lang="fr-FR" sz="2400" dirty="0"/>
-              <a:t> VS </a:t>
-            </a:r>
-            <a:r>
-              <a:rPr lang="fr-FR" sz="2400" dirty="0" err="1"/>
-              <a:t>tenserflow</a:t>
-            </a:r>
-            <a:r>
-              <a:rPr lang="fr-FR" sz="2400" dirty="0"/>
-              <a:t>/</a:t>
-            </a:r>
-            <a:r>
-              <a:rPr lang="fr-FR" sz="2400" dirty="0" err="1"/>
-              <a:t>keras</a:t>
-            </a:r>
-            <a:endParaRPr lang="fr-FR" sz="2400" dirty="0"/>
+              <a:t>Lib machine learning VS tenserflow/keras</a:t>
+            </a:r>
           </a:p>
           <a:p>
             <a:r>
@@ -9801,15 +9679,7 @@
             <a:pPr lvl="1"/>
             <a:r>
               <a:rPr lang="fr-FR" sz="2400" dirty="0"/>
-              <a:t>Optimisé pour des </a:t>
-            </a:r>
-            <a:r>
-              <a:rPr lang="fr-FR" sz="2400" dirty="0" err="1"/>
-              <a:t>dataset</a:t>
-            </a:r>
-            <a:r>
-              <a:rPr lang="fr-FR" sz="2400" dirty="0"/>
-              <a:t> avec peu d’erreur</a:t>
+              <a:t>Optimisé pour des dataset avec peu d’erreur</a:t>
             </a:r>
           </a:p>
           <a:p>
@@ -9822,7 +9692,7 @@
             <a:pPr lvl="1"/>
             <a:r>
               <a:rPr lang="fr-FR" sz="2400" dirty="0"/>
-              <a:t>Calculer la marge : distance entre notre séparations linéaire et les premières exemples </a:t>
+              <a:t>Calculer la marge : distance entre notre séparations linéaire et les premiers exemples </a:t>
             </a:r>
           </a:p>
           <a:p>
@@ -10061,7 +9931,7 @@
             </a:pPr>
             <a:r>
               <a:rPr lang="fr-FR" sz="2400" b="1" dirty="0"/>
-              <a:t>Machine à vecteur de support (SVM)</a:t>
+              <a:t>Machine à vecteurs de support (SVM)</a:t>
             </a:r>
           </a:p>
         </p:txBody>
@@ -10384,7 +10254,7 @@
             </a:pPr>
             <a:r>
               <a:rPr lang="fr-FR" sz="2400" b="1" dirty="0"/>
-              <a:t>Machine à vecteur de support (SVM)</a:t>
+              <a:t>Machine à vecteurs de support (SVM)</a:t>
             </a:r>
           </a:p>
         </p:txBody>
@@ -10621,14 +10491,14 @@
             <a:pPr lvl="1"/>
             <a:r>
               <a:rPr lang="fr-FR" sz="2400" i="0" dirty="0"/>
-              <a:t>Identifier les exemple qui servent de vecteurs support pour la séparation</a:t>
+              <a:t>Identifier les exemples qui servent de vecteurs support pour la séparation</a:t>
             </a:r>
           </a:p>
           <a:p>
             <a:pPr lvl="1"/>
             <a:r>
               <a:rPr lang="fr-FR" sz="2400" i="0" dirty="0"/>
-              <a:t>Trouver la séparation équidistante entre nos classe</a:t>
+              <a:t>Trouver la séparation équidistante entre nos classes</a:t>
             </a:r>
           </a:p>
           <a:p>
@@ -10649,7 +10519,7 @@
             <a:pPr lvl="1"/>
             <a:r>
               <a:rPr lang="fr-FR" sz="2400" dirty="0"/>
-              <a:t>Autant de paramètre dans notre modèle que de vecteur support</a:t>
+              <a:t>Autant de paramètres dans notre modèle que de vecteurs support</a:t>
             </a:r>
           </a:p>
           <a:p>
@@ -11230,14 +11100,14 @@
           <a:p>
             <a:r>
               <a:rPr lang="fr-FR" sz="2400" dirty="0"/>
-              <a:t>Machine a noyau</a:t>
+              <a:t>Machine à noyau</a:t>
             </a:r>
           </a:p>
           <a:p>
             <a:pPr lvl="1"/>
             <a:r>
               <a:rPr lang="fr-FR" sz="2400" dirty="0"/>
-              <a:t>Utilisé les SVM dans un espaces de très grande dimension</a:t>
+              <a:t>Utiliser les SVM dans un espaces de très grande dimension</a:t>
             </a:r>
           </a:p>
           <a:p>
@@ -12403,28 +12273,28 @@
             <a:pPr lvl="1"/>
             <a:r>
               <a:rPr lang="fr-FR" sz="2400" dirty="0"/>
-              <a:t>Cout pour résoudre un problème quadratique</a:t>
+              <a:t>Coût pour résoudre un problème quadratique</a:t>
             </a:r>
           </a:p>
           <a:p>
             <a:pPr lvl="1"/>
             <a:r>
               <a:rPr lang="fr-FR" sz="2400" i="0" dirty="0"/>
-              <a:t>Un mauvaise exemple mal étiqueté </a:t>
+              <a:t>Un mauvais exemple mal étiqueté </a:t>
             </a:r>
           </a:p>
           <a:p>
             <a:pPr lvl="1"/>
             <a:r>
               <a:rPr lang="fr-FR" sz="2400" i="0" dirty="0"/>
-              <a:t>N’est pas robuste à des données imprécise </a:t>
+              <a:t>N’est pas robuste à des données imprécises</a:t>
             </a:r>
           </a:p>
           <a:p>
             <a:pPr lvl="1"/>
             <a:r>
               <a:rPr lang="fr-FR" sz="2400" i="0" dirty="0"/>
-              <a:t>Avec des données ambiguë, pas de résolution quadratique possible </a:t>
+              <a:t>Avec des données ambiguës, pas de résolution quadratique possible </a:t>
             </a:r>
           </a:p>
           <a:p>
@@ -12545,12 +12415,8 @@
           <a:p>
             <a:pPr algn="ctr"/>
             <a:r>
-              <a:rPr lang="fr-FR" sz="6600" b="1" dirty="0" err="1"/>
-              <a:t>Review</a:t>
-            </a:r>
-            <a:r>
               <a:rPr lang="fr-FR" sz="6600" b="1" dirty="0"/>
-              <a:t> du code</a:t>
+              <a:t>Review du code</a:t>
             </a:r>
           </a:p>
         </p:txBody>
@@ -12886,19 +12752,11 @@
             <a:pPr lvl="1"/>
             <a:r>
               <a:rPr lang="fr-FR" sz="2400" i="0" dirty="0"/>
-              <a:t>On peut utilisé la </a:t>
+              <a:t>On peut utiliser la </a:t>
             </a:r>
             <a:r>
               <a:rPr lang="fr-FR" sz="2400" dirty="0"/>
-              <a:t>Règle de </a:t>
-            </a:r>
-            <a:r>
-              <a:rPr lang="fr-FR" sz="2400" dirty="0" err="1"/>
-              <a:t>Rosemblatt</a:t>
-            </a:r>
-            <a:r>
-              <a:rPr lang="fr-FR" sz="2400" dirty="0"/>
-              <a:t> ou la pseudo inverse</a:t>
+              <a:t>Règle de Rosenblatt ou la pseudo inverse</a:t>
             </a:r>
             <a:endParaRPr lang="fr-FR" sz="2400" i="0" dirty="0"/>
           </a:p>
@@ -13145,15 +13003,7 @@
             </a:pPr>
             <a:r>
               <a:rPr lang="en-US" sz="2800" b="1" dirty="0"/>
-              <a:t>Radial basis function network (RBF </a:t>
-            </a:r>
-            <a:r>
-              <a:rPr lang="en-US" sz="2800" b="1" dirty="0" err="1"/>
-              <a:t>naif</a:t>
-            </a:r>
-            <a:r>
-              <a:rPr lang="en-US" sz="2800" b="1" dirty="0"/>
-              <a:t>)</a:t>
+              <a:t>Radial basis function network (RBF naïf)</a:t>
             </a:r>
           </a:p>
         </p:txBody>
@@ -13687,22 +13537,14 @@
             <a:pPr lvl="1"/>
             <a:r>
               <a:rPr lang="fr-FR" sz="2400" i="0" dirty="0"/>
-              <a:t>Faire la somme pondéré des valeurs obtenues</a:t>
+              <a:t>Faire la somme pondérée des valeurs obtenues</a:t>
             </a:r>
           </a:p>
           <a:p>
             <a:pPr lvl="1"/>
             <a:r>
               <a:rPr lang="fr-FR" sz="2400" i="0" dirty="0"/>
-              <a:t>Ajouté le </a:t>
-            </a:r>
-            <a:r>
-              <a:rPr lang="fr-FR" sz="2400" i="0" dirty="0" err="1"/>
-              <a:t>sign</a:t>
-            </a:r>
-            <a:r>
-              <a:rPr lang="fr-FR" sz="2400" i="0" dirty="0"/>
-              <a:t> pour la classification</a:t>
+              <a:t>Ajouté le sign pour la classification</a:t>
             </a:r>
           </a:p>
           <a:p>
@@ -14286,15 +14128,7 @@
             <a:pPr lvl="1"/>
             <a:r>
               <a:rPr lang="fr-FR" sz="2400" i="0" dirty="0"/>
-              <a:t>Ajouté le </a:t>
-            </a:r>
-            <a:r>
-              <a:rPr lang="fr-FR" sz="2400" i="0" dirty="0" err="1"/>
-              <a:t>sign</a:t>
-            </a:r>
-            <a:r>
-              <a:rPr lang="fr-FR" sz="2400" i="0" dirty="0"/>
-              <a:t> pour la classification</a:t>
+              <a:t>Ajouté le sign pour la classification</a:t>
             </a:r>
           </a:p>
           <a:p>
@@ -14894,7 +14728,7 @@
             <a:pPr lvl="1"/>
             <a:r>
               <a:rPr lang="fr-FR" sz="2400" dirty="0"/>
-              <a:t>Il y autant d’exemple que de paramètre </a:t>
+              <a:t>Il y autant d’exemples que de paramètres</a:t>
             </a:r>
           </a:p>
           <a:p>
@@ -15259,15 +15093,7 @@
           <a:p>
             <a:r>
               <a:rPr lang="fr-FR" dirty="0"/>
-              <a:t>A partir d’algorithmes de machine </a:t>
-            </a:r>
-            <a:r>
-              <a:rPr lang="fr-FR" dirty="0" err="1"/>
-              <a:t>learning</a:t>
-            </a:r>
-            <a:r>
-              <a:rPr lang="fr-FR" dirty="0"/>
-              <a:t>, catégoriser une image soit en classe </a:t>
+              <a:t>À partir d’algorithmes de machine learning, catégoriser une image soit en classe </a:t>
             </a:r>
             <a:r>
               <a:rPr lang="fr-FR" b="1" dirty="0"/>
@@ -15817,13 +15643,8 @@
           <a:p>
             <a:r>
               <a:rPr lang="fr-FR" sz="2400" dirty="0"/>
-              <a:t>K-</a:t>
-            </a:r>
-            <a:r>
-              <a:rPr lang="fr-FR" sz="2400" dirty="0" err="1"/>
-              <a:t>means</a:t>
-            </a:r>
-            <a:endParaRPr lang="fr-FR" sz="2400" dirty="0"/>
+              <a:t>K-means</a:t>
+            </a:r>
           </a:p>
           <a:p>
             <a:pPr lvl="1"/>
@@ -15836,21 +15657,13 @@
             <a:pPr lvl="1"/>
             <a:r>
               <a:rPr lang="fr-FR" sz="2400" dirty="0"/>
-              <a:t>Un problème </a:t>
-            </a:r>
-            <a:r>
-              <a:rPr lang="fr-FR" sz="2400" dirty="0" err="1"/>
-              <a:t>Np</a:t>
-            </a:r>
+              <a:t>Un problème Np-difficile</a:t>
+            </a:r>
+          </a:p>
+          <a:p>
             <a:r>
               <a:rPr lang="fr-FR" sz="2400" dirty="0"/>
-              <a:t>-difficile</a:t>
-            </a:r>
-          </a:p>
-          <a:p>
-            <a:r>
-              <a:rPr lang="fr-FR" sz="2400" dirty="0"/>
-              <a:t>Algo de Lloyd</a:t>
+              <a:t>Algorithme de Lloyd</a:t>
             </a:r>
           </a:p>
           <a:p>
@@ -15863,8 +15676,12 @@
           <a:p>
             <a:pPr lvl="1"/>
             <a:r>
+              <a:rPr lang="fr-FR" sz="2500" dirty="0"/>
+              <a:t>É</a:t>
+            </a:r>
+            <a:r>
               <a:rPr lang="fr-FR" sz="2400" dirty="0"/>
-              <a:t>Elire des représentants</a:t>
+              <a:t>lire des représentants</a:t>
             </a:r>
           </a:p>
           <a:p>
@@ -15885,15 +15702,7 @@
             <a:pPr lvl="1"/>
             <a:r>
               <a:rPr lang="fr-FR" sz="2200" dirty="0"/>
-              <a:t>Trouver les K-</a:t>
-            </a:r>
-            <a:r>
-              <a:rPr lang="fr-FR" sz="2200" dirty="0" err="1"/>
-              <a:t>means</a:t>
-            </a:r>
-            <a:r>
-              <a:rPr lang="fr-FR" sz="2200" dirty="0"/>
-              <a:t> pour l’étiquetage</a:t>
+              <a:t>Trouver les K-means pour l’étiquetage</a:t>
             </a:r>
           </a:p>
           <a:p>
@@ -16132,14 +15941,14 @@
           <a:p>
             <a:r>
               <a:rPr lang="fr-FR" sz="2400" dirty="0"/>
-              <a:t>Principe de l’algo de Lloyd</a:t>
+              <a:t>Principe de l’algorithme de Lloyd</a:t>
             </a:r>
           </a:p>
           <a:p>
             <a:pPr lvl="1"/>
             <a:r>
               <a:rPr lang="fr-FR" sz="2400" dirty="0"/>
-              <a:t>Construire N représentant et lui associé une gaussienne</a:t>
+              <a:t>Construire N représentants et lui associer une gaussienne</a:t>
             </a:r>
           </a:p>
           <a:p>
@@ -16166,21 +15975,13 @@
           <a:p>
             <a:r>
               <a:rPr lang="fr-FR" sz="2400" dirty="0"/>
-              <a:t>Autant de paramètre que de représentant</a:t>
+              <a:t>Autant de paramètres que de représentants</a:t>
             </a:r>
           </a:p>
           <a:p>
             <a:r>
               <a:rPr lang="fr-FR" sz="2400" dirty="0"/>
-              <a:t>Utilisation de la règle de </a:t>
-            </a:r>
-            <a:r>
-              <a:rPr lang="fr-FR" sz="2400" dirty="0" err="1"/>
-              <a:t>Rosemblatt</a:t>
-            </a:r>
-            <a:r>
-              <a:rPr lang="fr-FR" sz="2400" dirty="0"/>
-              <a:t> ou la pseudo inverse en utilisant les représentant</a:t>
+              <a:t>Utilisation de la règle de Rosenblatt ou la pseudo inverse en utilisant les représentant</a:t>
             </a:r>
           </a:p>
           <a:p>
@@ -16282,13 +16083,8 @@
           <a:p>
             <a:r>
               <a:rPr lang="fr-FR" dirty="0"/>
-              <a:t>Structure du </a:t>
-            </a:r>
-            <a:r>
-              <a:rPr lang="fr-FR" dirty="0" err="1"/>
-              <a:t>dataset</a:t>
-            </a:r>
-            <a:endParaRPr lang="fr-FR" dirty="0"/>
+              <a:t>Structure du dataset</a:t>
+            </a:r>
           </a:p>
         </p:txBody>
       </p:sp>
@@ -16353,13 +16149,8 @@
             <a:pPr algn="ctr"/>
             <a:r>
               <a:rPr lang="fr-FR" dirty="0"/>
-              <a:t>Structure du </a:t>
-            </a:r>
-            <a:r>
-              <a:rPr lang="fr-FR" dirty="0" err="1"/>
-              <a:t>dataset</a:t>
-            </a:r>
-            <a:endParaRPr lang="fr-FR" dirty="0"/>
+              <a:t>Structure du dataset</a:t>
+            </a:r>
           </a:p>
         </p:txBody>
       </p:sp>
@@ -16393,7 +16184,7 @@
           <a:p>
             <a:r>
               <a:rPr lang="fr-FR" sz="1900" dirty="0"/>
-              <a:t>Image de vêtement:</a:t>
+              <a:t>Images de vêtement:</a:t>
             </a:r>
           </a:p>
           <a:p>
@@ -16429,15 +16220,7 @@
           <a:p>
             <a:r>
               <a:rPr lang="fr-FR" sz="1900" dirty="0"/>
-              <a:t>Nombre d’image dans notre </a:t>
-            </a:r>
-            <a:r>
-              <a:rPr lang="fr-FR" sz="1900" dirty="0" err="1"/>
-              <a:t>dataset</a:t>
-            </a:r>
-            <a:r>
-              <a:rPr lang="fr-FR" sz="1900" dirty="0"/>
-              <a:t> :</a:t>
+              <a:t>Nombre d’images dans notre dataset :</a:t>
             </a:r>
           </a:p>
           <a:p>
@@ -16451,18 +16234,18 @@
             <a:pPr lvl="2"/>
             <a:r>
               <a:rPr lang="fr-FR" sz="1700" dirty="0"/>
-              <a:t>Image scraper (70%) : 400</a:t>
+              <a:t>Images scrapées (70%) : 400</a:t>
             </a:r>
           </a:p>
           <a:p>
             <a:pPr lvl="2"/>
             <a:r>
               <a:rPr lang="fr-FR" sz="1700" dirty="0"/>
-              <a:t>Image</a:t>
+              <a:t>Images</a:t>
             </a:r>
             <a:r>
               <a:rPr lang="fr-FR" sz="1900" dirty="0"/>
-              <a:t> non scraper (30%) : 160 </a:t>
+              <a:t> non scrapées (30%) : 160 </a:t>
             </a:r>
           </a:p>
           <a:p>
@@ -16476,18 +16259,18 @@
             <a:pPr lvl="2"/>
             <a:r>
               <a:rPr lang="fr-FR" sz="1700" dirty="0"/>
-              <a:t>Image scraper (70%) : 410</a:t>
+              <a:t>Images scrapées (70%) : 410</a:t>
             </a:r>
           </a:p>
           <a:p>
             <a:pPr lvl="2"/>
             <a:r>
               <a:rPr lang="fr-FR" sz="1700" dirty="0"/>
-              <a:t>Image</a:t>
+              <a:t>Images</a:t>
             </a:r>
             <a:r>
               <a:rPr lang="fr-FR" sz="1900" dirty="0"/>
-              <a:t> non scraper (30%) : 170 </a:t>
+              <a:t> non scrapées (30%) : 170 </a:t>
             </a:r>
             <a:endParaRPr lang="fr-FR" sz="1700" dirty="0"/>
           </a:p>
@@ -16502,18 +16285,22 @@
             <a:pPr lvl="2"/>
             <a:r>
               <a:rPr lang="fr-FR" sz="1700" dirty="0"/>
-              <a:t>Image scraper (70%) : 350</a:t>
+              <a:t>Images scrapées(70%) : 350</a:t>
             </a:r>
           </a:p>
           <a:p>
             <a:pPr lvl="2"/>
             <a:r>
-              <a:rPr lang="fr-FR" sz="1700" dirty="0"/>
-              <a:t>Image</a:t>
+              <a:rPr lang="fr-FR" sz="1600" dirty="0"/>
+              <a:t>Images</a:t>
+            </a:r>
+            <a:r>
+              <a:rPr lang="fr-FR" dirty="0"/>
+              <a:t> non scrapées </a:t>
             </a:r>
             <a:r>
               <a:rPr lang="fr-FR" sz="1900" dirty="0"/>
-              <a:t> non scraper (+30%) : 160 </a:t>
+              <a:t>(+30%) : 160 </a:t>
             </a:r>
           </a:p>
           <a:p>
@@ -16523,15 +16310,7 @@
           <a:p>
             <a:r>
               <a:rPr lang="fr-FR" sz="1900" dirty="0"/>
-              <a:t>Image </a:t>
-            </a:r>
-            <a:r>
-              <a:rPr lang="fr-FR" sz="1900" dirty="0" err="1"/>
-              <a:t>scrapé</a:t>
-            </a:r>
-            <a:r>
-              <a:rPr lang="fr-FR" sz="1900" dirty="0"/>
-              <a:t> via un script python</a:t>
+              <a:t>Images scrapées via un script python</a:t>
             </a:r>
           </a:p>
           <a:p>
@@ -16775,13 +16554,8 @@
             <a:pPr lvl="1"/>
             <a:r>
               <a:rPr lang="fr-FR" dirty="0"/>
-              <a:t>Script </a:t>
-            </a:r>
-            <a:r>
-              <a:rPr lang="fr-FR" dirty="0" err="1"/>
-              <a:t>shell</a:t>
-            </a:r>
-            <a:endParaRPr lang="fr-FR" dirty="0"/>
+              <a:t>Script Shell</a:t>
+            </a:r>
           </a:p>
           <a:p>
             <a:pPr lvl="1"/>
@@ -16794,15 +16568,7 @@
           <a:p>
             <a:r>
               <a:rPr lang="fr-FR" dirty="0"/>
-              <a:t>Structure du </a:t>
-            </a:r>
-            <a:r>
-              <a:rPr lang="fr-FR" dirty="0" err="1"/>
-              <a:t>dataset</a:t>
-            </a:r>
-            <a:r>
-              <a:rPr lang="fr-FR" dirty="0"/>
-              <a:t>:</a:t>
+              <a:t>Structure du dataset:</a:t>
             </a:r>
           </a:p>
           <a:p>
@@ -16816,15 +16582,7 @@
             <a:pPr lvl="2"/>
             <a:r>
               <a:rPr lang="fr-FR" sz="2000" dirty="0"/>
-              <a:t>Notre </a:t>
-            </a:r>
-            <a:r>
-              <a:rPr lang="fr-FR" sz="2000" dirty="0" err="1"/>
-              <a:t>dataset</a:t>
-            </a:r>
-            <a:r>
-              <a:rPr lang="fr-FR" sz="2000" dirty="0"/>
-              <a:t> d’entrainement </a:t>
+              <a:t>Notre dataset d’entraînement </a:t>
             </a:r>
           </a:p>
           <a:p>
@@ -16838,15 +16596,7 @@
             <a:pPr lvl="2"/>
             <a:r>
               <a:rPr lang="fr-FR" sz="2000" dirty="0"/>
-              <a:t>Notre </a:t>
-            </a:r>
-            <a:r>
-              <a:rPr lang="fr-FR" sz="2000" dirty="0" err="1"/>
-              <a:t>dataset</a:t>
-            </a:r>
-            <a:r>
-              <a:rPr lang="fr-FR" sz="2000" dirty="0"/>
-              <a:t> de validation</a:t>
+              <a:t>Notre dataset de validation</a:t>
             </a:r>
           </a:p>
           <a:p>
@@ -16860,15 +16610,7 @@
             <a:pPr lvl="2"/>
             <a:r>
               <a:rPr lang="fr-FR" sz="2000" dirty="0"/>
-              <a:t>Notre </a:t>
-            </a:r>
-            <a:r>
-              <a:rPr lang="fr-FR" sz="2000" dirty="0" err="1"/>
-              <a:t>dataset</a:t>
-            </a:r>
-            <a:r>
-              <a:rPr lang="fr-FR" sz="2000" dirty="0"/>
-              <a:t> de test</a:t>
+              <a:t>Notre dataset de test</a:t>
             </a:r>
           </a:p>
           <a:p>
@@ -17252,19 +16994,14 @@
           <a:p>
             <a:r>
               <a:rPr lang="fr-FR" sz="2400" b="1" i="0" dirty="0"/>
-              <a:t>Utilisation de nos </a:t>
-            </a:r>
-            <a:r>
-              <a:rPr lang="fr-FR" sz="2400" b="1" i="0" dirty="0" err="1"/>
-              <a:t>dataset</a:t>
-            </a:r>
-            <a:endParaRPr lang="fr-FR" sz="2400" b="1" i="0" dirty="0"/>
+              <a:t>Utilisation de nos dataset</a:t>
+            </a:r>
           </a:p>
           <a:p>
             <a:pPr lvl="1"/>
             <a:r>
               <a:rPr lang="fr-FR" sz="2400" i="0" dirty="0"/>
-              <a:t>D’entrainement</a:t>
+              <a:t>D’entraînement</a:t>
             </a:r>
           </a:p>
           <a:p>
@@ -17281,7 +17018,7 @@
           <a:p>
             <a:r>
               <a:rPr lang="fr-FR" sz="2400" b="1" i="0" dirty="0"/>
-              <a:t>Entrainement avec les algorithmes</a:t>
+              <a:t>Entraînement avec les algorithmes</a:t>
             </a:r>
           </a:p>
           <a:p>
@@ -17301,18 +17038,9 @@
           <a:p>
             <a:pPr lvl="1"/>
             <a:r>
-              <a:rPr lang="fr-FR" sz="2400" i="0" dirty="0" err="1"/>
-              <a:t>Tenserflow</a:t>
-            </a:r>
-            <a:r>
               <a:rPr lang="fr-FR" sz="2400" i="0" dirty="0"/>
-              <a:t> / </a:t>
-            </a:r>
-            <a:r>
-              <a:rPr lang="fr-FR" sz="2400" i="0" dirty="0" err="1"/>
-              <a:t>Keras</a:t>
-            </a:r>
-            <a:endParaRPr lang="fr-FR" sz="2400" i="0" dirty="0"/>
+              <a:t>Tenserflow / Keras</a:t>
+            </a:r>
           </a:p>
           <a:p>
             <a:pPr lvl="1"/>
@@ -18548,29 +18276,8 @@
           <a:p>
             <a:r>
               <a:rPr lang="fr-FR" dirty="0"/>
-              <a:t>Lib machine </a:t>
-            </a:r>
-            <a:r>
-              <a:rPr lang="fr-FR" dirty="0" err="1"/>
-              <a:t>learning</a:t>
-            </a:r>
-            <a:r>
-              <a:rPr lang="fr-FR" dirty="0"/>
-              <a:t> VS </a:t>
-            </a:r>
-            <a:r>
-              <a:rPr lang="fr-FR" dirty="0" err="1"/>
-              <a:t>tenserflow</a:t>
-            </a:r>
-            <a:r>
-              <a:rPr lang="fr-FR" dirty="0"/>
-              <a:t>/</a:t>
-            </a:r>
-            <a:r>
-              <a:rPr lang="fr-FR" dirty="0" err="1"/>
-              <a:t>keras</a:t>
-            </a:r>
-            <a:endParaRPr lang="fr-FR" dirty="0"/>
+              <a:t>Lib machine learning VS tenserflow/keras</a:t>
+            </a:r>
           </a:p>
         </p:txBody>
       </p:sp>
@@ -18634,29 +18341,8 @@
           <a:p>
             <a:r>
               <a:rPr lang="fr-FR" dirty="0"/>
-              <a:t>Lib machine </a:t>
-            </a:r>
-            <a:r>
-              <a:rPr lang="fr-FR" dirty="0" err="1"/>
-              <a:t>learning</a:t>
-            </a:r>
-            <a:r>
-              <a:rPr lang="fr-FR" dirty="0"/>
-              <a:t> VS </a:t>
-            </a:r>
-            <a:r>
-              <a:rPr lang="fr-FR" dirty="0" err="1"/>
-              <a:t>tenserflow</a:t>
-            </a:r>
-            <a:r>
-              <a:rPr lang="fr-FR" dirty="0"/>
-              <a:t>/</a:t>
-            </a:r>
-            <a:r>
-              <a:rPr lang="fr-FR" dirty="0" err="1"/>
-              <a:t>keras</a:t>
-            </a:r>
-            <a:endParaRPr lang="fr-FR" dirty="0"/>
+              <a:t>Lib machine learning VS tenserflow/keras</a:t>
+            </a:r>
           </a:p>
         </p:txBody>
       </p:sp>
@@ -18677,7 +18363,7 @@
         <p:spPr>
           <a:xfrm>
             <a:off x="1092591" y="2886577"/>
-            <a:ext cx="5269345" cy="3447929"/>
+            <a:ext cx="5444567" cy="3447929"/>
           </a:xfrm>
           <a:prstGeom prst="rect">
             <a:avLst/>
@@ -18888,33 +18574,15 @@
             <a:pPr lvl="1"/>
             <a:r>
               <a:rPr lang="fr-FR" sz="2400" i="0" dirty="0"/>
-              <a:t>Assez rapide à entrainé nos modèles pour de petit </a:t>
-            </a:r>
-            <a:r>
-              <a:rPr lang="fr-FR" sz="2400" i="0" dirty="0" err="1"/>
-              <a:t>dataset</a:t>
-            </a:r>
-            <a:endParaRPr lang="fr-FR" sz="2400" i="0" dirty="0"/>
+              <a:t>Assez rapide pour entraîner nos modèles sur de petits datasets</a:t>
+            </a:r>
           </a:p>
           <a:p>
             <a:pPr lvl="1"/>
             <a:r>
               <a:rPr lang="fr-FR" sz="2400" i="0" dirty="0"/>
-              <a:t>Utilisation de </a:t>
-            </a:r>
-            <a:r>
-              <a:rPr lang="fr-FR" sz="2400" i="0" dirty="0" err="1"/>
-              <a:t>plusieur</a:t>
-            </a:r>
-            <a:r>
-              <a:rPr lang="fr-FR" sz="2400" i="0" dirty="0"/>
-              <a:t> algorithme de machine </a:t>
-            </a:r>
-            <a:r>
-              <a:rPr lang="fr-FR" sz="2400" i="0" dirty="0" err="1"/>
-              <a:t>learning</a:t>
-            </a:r>
-            <a:endParaRPr lang="fr-FR" sz="2400" i="0" dirty="0"/>
+              <a:t>Utilisation de plusieurs algorithmes de machine learning</a:t>
+            </a:r>
           </a:p>
           <a:p>
             <a:r>
@@ -19539,19 +19207,14 @@
             <a:pPr lvl="1"/>
             <a:r>
               <a:rPr lang="fr-FR" sz="2400" i="0" dirty="0"/>
-              <a:t>Communication directement avec le matériel via </a:t>
-            </a:r>
-            <a:r>
-              <a:rPr lang="fr-FR" sz="2400" i="0" dirty="0" err="1"/>
-              <a:t>tf</a:t>
-            </a:r>
-            <a:endParaRPr lang="fr-FR" sz="2400" i="0" dirty="0"/>
+              <a:t>Communication directement avec le matériel via tf</a:t>
+            </a:r>
           </a:p>
           <a:p>
             <a:pPr lvl="1"/>
             <a:r>
               <a:rPr lang="fr-FR" sz="2400" i="0" dirty="0"/>
-              <a:t>Entrainement assez rapide</a:t>
+              <a:t>Entraînement assez rapide</a:t>
             </a:r>
           </a:p>
           <a:p>
@@ -19564,26 +19227,23 @@
           <a:p>
             <a:pPr lvl="2"/>
             <a:r>
-              <a:rPr lang="fr-FR" sz="2200" dirty="0" err="1"/>
+              <a:rPr lang="fr-FR" sz="2200" dirty="0"/>
               <a:t>Loss</a:t>
             </a:r>
-            <a:endParaRPr lang="fr-FR" sz="2200" dirty="0"/>
           </a:p>
           <a:p>
             <a:pPr lvl="2"/>
             <a:r>
-              <a:rPr lang="fr-FR" sz="2200" dirty="0" err="1"/>
+              <a:rPr lang="fr-FR" sz="2200" dirty="0"/>
               <a:t>Optimizer</a:t>
             </a:r>
-            <a:endParaRPr lang="fr-FR" sz="2200" dirty="0"/>
           </a:p>
           <a:p>
             <a:pPr lvl="2"/>
             <a:r>
-              <a:rPr lang="fr-FR" sz="2200" dirty="0" err="1"/>
+              <a:rPr lang="fr-FR" sz="2200" dirty="0"/>
               <a:t>Metrics</a:t>
             </a:r>
-            <a:endParaRPr lang="fr-FR" sz="2200" dirty="0"/>
           </a:p>
           <a:p>
             <a:pPr lvl="2"/>
@@ -19603,24 +19263,15 @@
             <a:pPr lvl="1"/>
             <a:r>
               <a:rPr lang="fr-FR" sz="2500" i="0" dirty="0"/>
-              <a:t>Nécessite beaucoup de ressource</a:t>
+              <a:t>Nécessite beaucoup de ressources</a:t>
             </a:r>
           </a:p>
           <a:p>
             <a:pPr lvl="1"/>
             <a:r>
-              <a:rPr lang="fr-FR" sz="2500" i="0" dirty="0" err="1"/>
-              <a:t>ROCm</a:t>
-            </a:r>
-            <a:r>
               <a:rPr lang="fr-FR" sz="2500" i="0" dirty="0"/>
-              <a:t> pas encore intégré à </a:t>
-            </a:r>
-            <a:r>
-              <a:rPr lang="fr-FR" sz="2500" i="0" dirty="0" err="1"/>
-              <a:t>tf</a:t>
-            </a:r>
-            <a:endParaRPr lang="fr-FR" sz="2500" i="0" dirty="0"/>
+              <a:t>ROCm pas encore bien intégré à tf</a:t>
+            </a:r>
           </a:p>
           <a:p>
             <a:pPr lvl="1"/>
@@ -19682,7 +19333,7 @@
           </a:bodyPr>
           <a:lstStyle/>
           <a:p>
-            <a:endParaRPr lang="fr-FR"/>
+            <a:endParaRPr lang="fr-FR" dirty="0"/>
           </a:p>
         </p:txBody>
       </p:sp>
@@ -19727,7 +19378,7 @@
           </a:bodyPr>
           <a:lstStyle/>
           <a:p>
-            <a:endParaRPr lang="fr-FR"/>
+            <a:endParaRPr lang="fr-FR" dirty="0"/>
           </a:p>
         </p:txBody>
       </p:sp>
@@ -19844,21 +19495,8 @@
                   <a:schemeClr val="tx1"/>
                 </a:solidFill>
               </a:rPr>
-              <a:t>Presentation des technologies </a:t>
-            </a:r>
-            <a:r>
-              <a:rPr lang="en-US" dirty="0" err="1">
-                <a:solidFill>
-                  <a:schemeClr val="tx1"/>
-                </a:solidFill>
-              </a:rPr>
-              <a:t>utilisées</a:t>
-            </a:r>
-            <a:endParaRPr lang="en-US" dirty="0">
-              <a:solidFill>
-                <a:schemeClr val="tx1"/>
-              </a:solidFill>
-            </a:endParaRPr>
+              <a:t>Presentation des technologies utilisées</a:t>
+            </a:r>
           </a:p>
         </p:txBody>
       </p:sp>
@@ -20456,33 +20094,21 @@
             <a:pPr lvl="1"/>
             <a:r>
               <a:rPr lang="fr-FR" sz="2400" i="0" dirty="0"/>
-              <a:t>L’entrainement de nos modèles</a:t>
+              <a:t>L’entraînement de nos modèles</a:t>
             </a:r>
           </a:p>
           <a:p>
             <a:pPr lvl="1"/>
             <a:r>
               <a:rPr lang="fr-FR" sz="2400" i="0" dirty="0"/>
-              <a:t>L’utilisation de beaucoup de donnée (</a:t>
-            </a:r>
-            <a:r>
-              <a:rPr lang="fr-FR" sz="2400" i="0" dirty="0" err="1"/>
-              <a:t>dataset</a:t>
-            </a:r>
+              <a:t>L’utilisation de beaucoup de données (dataset)</a:t>
+            </a:r>
+          </a:p>
+          <a:p>
+            <a:pPr lvl="1"/>
             <a:r>
               <a:rPr lang="fr-FR" sz="2400" i="0" dirty="0"/>
-              <a:t>)</a:t>
-            </a:r>
-          </a:p>
-          <a:p>
-            <a:pPr lvl="1"/>
-            <a:r>
-              <a:rPr lang="fr-FR" sz="2400" i="0" dirty="0"/>
-              <a:t>Crédibilité de notre lib via la comparaison avec </a:t>
-            </a:r>
-            <a:r>
-              <a:rPr lang="fr-FR" sz="2400" i="0" dirty="0" err="1"/>
-              <a:t>tenserflow</a:t>
+              <a:t>Crédibilité de notre lib via la comparaison avec tenserflow</a:t>
             </a:r>
             <a:endParaRPr lang="fr-FR" sz="2400" dirty="0"/>
           </a:p>
@@ -20643,15 +20269,7 @@
                   <a:schemeClr val="tx1"/>
                 </a:solidFill>
               </a:rPr>
-              <a:t>Technologies </a:t>
-            </a:r>
-            <a:r>
-              <a:rPr lang="en-US" dirty="0" err="1">
-                <a:solidFill>
-                  <a:schemeClr val="tx1"/>
-                </a:solidFill>
-              </a:rPr>
-              <a:t>utilisées</a:t>
+              <a:t>Technologies utilisées</a:t>
             </a:r>
             <a:endParaRPr lang="fr-FR" b="1" dirty="0"/>
           </a:p>
@@ -20696,13 +20314,8 @@
             </a:pPr>
             <a:r>
               <a:rPr lang="fr-FR" sz="1900" dirty="0"/>
-              <a:t>-	Librairie de machine </a:t>
-            </a:r>
-            <a:r>
-              <a:rPr lang="fr-FR" sz="1900" dirty="0" err="1"/>
-              <a:t>learning</a:t>
-            </a:r>
-            <a:endParaRPr lang="fr-FR" sz="1900" dirty="0"/>
+              <a:t>-	Bibliothèque de machine learning</a:t>
+            </a:r>
           </a:p>
           <a:p>
             <a:endParaRPr lang="fr-FR" sz="1900" dirty="0"/>
@@ -20730,12 +20343,8 @@
           <a:p>
             <a:pPr lvl="1"/>
             <a:r>
-              <a:rPr lang="fr-FR" sz="1800" dirty="0" err="1"/>
-              <a:t>Jupyter</a:t>
-            </a:r>
-            <a:r>
               <a:rPr lang="fr-FR" sz="1800" dirty="0"/>
-              <a:t> </a:t>
+              <a:t>Jupyter </a:t>
             </a:r>
             <a:r>
               <a:rPr lang="fr-FR" sz="1900" dirty="0"/>
@@ -20743,7 +20352,7 @@
             </a:r>
             <a:r>
               <a:rPr lang="fr-FR" dirty="0"/>
-              <a:t> interactive</a:t>
+              <a:t> interactif</a:t>
             </a:r>
           </a:p>
         </p:txBody>
@@ -20968,18 +20577,9 @@
           </a:lstStyle>
           <a:p>
             <a:r>
-              <a:rPr lang="fr-FR" sz="1900" dirty="0" err="1"/>
-              <a:t>Tenserflow</a:t>
-            </a:r>
-            <a:r>
               <a:rPr lang="fr-FR" sz="1900" dirty="0"/>
-              <a:t> / </a:t>
-            </a:r>
-            <a:r>
-              <a:rPr lang="fr-FR" sz="1900" dirty="0" err="1"/>
-              <a:t>Keras</a:t>
-            </a:r>
-            <a:endParaRPr lang="fr-FR" sz="1900" dirty="0"/>
+              <a:t>Tenserflow / Keras</a:t>
+            </a:r>
           </a:p>
           <a:p>
             <a:endParaRPr lang="fr-FR" sz="1900" dirty="0"/>
@@ -20993,18 +20593,9 @@
           </a:p>
           <a:p>
             <a:r>
-              <a:rPr lang="fr-FR" sz="1900" dirty="0" err="1"/>
-              <a:t>NodeJs</a:t>
-            </a:r>
-            <a:r>
               <a:rPr lang="fr-FR" sz="1900" dirty="0"/>
-              <a:t> / Framework </a:t>
-            </a:r>
-            <a:r>
-              <a:rPr lang="fr-FR" sz="1900" dirty="0" err="1"/>
-              <a:t>Vuejs</a:t>
-            </a:r>
-            <a:endParaRPr lang="fr-FR" sz="1900" dirty="0"/>
+              <a:t>NodeJs / Framework Vuejs</a:t>
+            </a:r>
           </a:p>
           <a:p>
             <a:pPr lvl="1"/>
@@ -21530,29 +21121,16 @@
           <a:p>
             <a:r>
               <a:rPr lang="fr-FR" sz="1900" dirty="0"/>
-              <a:t>Catégoriser / Classifier des images de </a:t>
-            </a:r>
-            <a:r>
-              <a:rPr lang="fr-FR" sz="1900" dirty="0" err="1"/>
-              <a:t>vétements</a:t>
-            </a:r>
+              <a:t>Catégoriser / Classifier des images de vêtements</a:t>
+            </a:r>
+          </a:p>
+          <a:p>
             <a:endParaRPr lang="fr-FR" sz="1900" dirty="0"/>
           </a:p>
           <a:p>
-            <a:endParaRPr lang="fr-FR" sz="1900" dirty="0"/>
-          </a:p>
-          <a:p>
             <a:r>
               <a:rPr lang="fr-FR" sz="1900" dirty="0"/>
-              <a:t>Difficulté à analyser une image  sans l’utilisation d’algorithmes de Machine </a:t>
-            </a:r>
-            <a:r>
-              <a:rPr lang="fr-FR" sz="1900" dirty="0" err="1"/>
-              <a:t>learning</a:t>
-            </a:r>
-            <a:r>
-              <a:rPr lang="fr-FR" sz="1900" dirty="0"/>
-              <a:t> </a:t>
+              <a:t>Difficultés à analyser une image  sans l’utilisation d’algorithmes de Machine learning </a:t>
             </a:r>
           </a:p>
           <a:p>
@@ -21689,29 +21267,16 @@
           <a:p>
             <a:r>
               <a:rPr lang="fr-FR" sz="1900" dirty="0"/>
-              <a:t>Catégoriser / Classifier des images de </a:t>
-            </a:r>
-            <a:r>
-              <a:rPr lang="fr-FR" sz="1900" dirty="0" err="1"/>
-              <a:t>vétements</a:t>
-            </a:r>
+              <a:t>Catégoriser / Classifier des images de vêtements</a:t>
+            </a:r>
+          </a:p>
+          <a:p>
             <a:endParaRPr lang="fr-FR" sz="1900" dirty="0"/>
           </a:p>
           <a:p>
-            <a:endParaRPr lang="fr-FR" sz="1900" dirty="0"/>
-          </a:p>
-          <a:p>
             <a:r>
               <a:rPr lang="fr-FR" sz="1900" dirty="0"/>
-              <a:t>Difficulté à analyser une image  sans l’utilisation d’algorithmes de Machine </a:t>
-            </a:r>
-            <a:r>
-              <a:rPr lang="fr-FR" sz="1900" dirty="0" err="1"/>
-              <a:t>learning</a:t>
-            </a:r>
-            <a:r>
-              <a:rPr lang="fr-FR" sz="1900" dirty="0"/>
-              <a:t> </a:t>
+              <a:t>Difficultés à analyser une image  sans l’utilisation d’algorithmes de Machine learning </a:t>
             </a:r>
           </a:p>
           <a:p>
@@ -22034,12 +21599,8 @@
           <a:p>
             <a:pPr lvl="1"/>
             <a:r>
-              <a:rPr lang="fr-FR" sz="2400" dirty="0" err="1"/>
-              <a:t>Aprentissage</a:t>
-            </a:r>
-            <a:r>
               <a:rPr lang="fr-FR" sz="2400" dirty="0"/>
-              <a:t> supervisé</a:t>
+              <a:t>Apprentissage supervisé</a:t>
             </a:r>
           </a:p>
           <a:p>
@@ -22078,7 +21639,7 @@
         <p:spPr>
           <a:xfrm>
             <a:off x="6710153" y="2311259"/>
-            <a:ext cx="4703569" cy="1613627"/>
+            <a:ext cx="5000584" cy="1613627"/>
           </a:xfrm>
           <a:prstGeom prst="rect">
             <a:avLst/>
@@ -22282,12 +21843,8 @@
           <a:p>
             <a:pPr lvl="1"/>
             <a:r>
-              <a:rPr lang="fr-FR" sz="2400" dirty="0" err="1"/>
-              <a:t>Aprentissage</a:t>
-            </a:r>
-            <a:r>
               <a:rPr lang="fr-FR" sz="2400" dirty="0"/>
-              <a:t> non supervisé</a:t>
+              <a:t>Apprentissage non supervisé</a:t>
             </a:r>
           </a:p>
           <a:p>
@@ -22530,15 +22087,7 @@
           <a:p>
             <a:r>
               <a:rPr lang="fr-FR" sz="2400" dirty="0"/>
-              <a:t>Machine </a:t>
-            </a:r>
-            <a:r>
-              <a:rPr lang="fr-FR" sz="2400" dirty="0" err="1"/>
-              <a:t>learning</a:t>
-            </a:r>
-            <a:r>
-              <a:rPr lang="fr-FR" sz="2400" dirty="0"/>
-              <a:t> :</a:t>
+              <a:t>Machine learning :</a:t>
             </a:r>
           </a:p>
         </p:txBody>

--- a/Project/Docs/Slides/PPT_PA.pptx
+++ b/Project/Docs/Slides/PPT_PA.pptx
@@ -4,6 +4,9 @@
   <p:sldMasterIdLst>
     <p:sldMasterId id="2147483648" r:id="rId1"/>
   </p:sldMasterIdLst>
+  <p:notesMasterIdLst>
+    <p:notesMasterId r:id="rId44"/>
+  </p:notesMasterIdLst>
   <p:sldIdLst>
     <p:sldId id="256" r:id="rId2"/>
     <p:sldId id="258" r:id="rId3"/>
@@ -153,6 +156,355 @@
 </p:presentation>
 </file>
 
+<file path=ppt/notesMasters/notesMaster1.xml><?xml version="1.0" encoding="utf-8"?>
+<p:notesMaster xmlns:a="http://schemas.openxmlformats.org/drawingml/2006/main" xmlns:r="http://schemas.openxmlformats.org/officeDocument/2006/relationships" xmlns:p="http://schemas.openxmlformats.org/presentationml/2006/main">
+  <p:cSld>
+    <p:bg>
+      <p:bgRef idx="1001">
+        <a:schemeClr val="bg1"/>
+      </p:bgRef>
+    </p:bg>
+    <p:spTree>
+      <p:nvGrpSpPr>
+        <p:cNvPr id="1" name=""/>
+        <p:cNvGrpSpPr/>
+        <p:nvPr/>
+      </p:nvGrpSpPr>
+      <p:grpSpPr>
+        <a:xfrm>
+          <a:off x="0" y="0"/>
+          <a:ext cx="0" cy="0"/>
+          <a:chOff x="0" y="0"/>
+          <a:chExt cx="0" cy="0"/>
+        </a:xfrm>
+      </p:grpSpPr>
+      <p:sp>
+        <p:nvSpPr>
+          <p:cNvPr id="2" name="Espace réservé de l'en-tête 1"/>
+          <p:cNvSpPr>
+            <a:spLocks noGrp="1"/>
+          </p:cNvSpPr>
+          <p:nvPr>
+            <p:ph type="hdr" sz="quarter"/>
+          </p:nvPr>
+        </p:nvSpPr>
+        <p:spPr>
+          <a:xfrm>
+            <a:off x="0" y="0"/>
+            <a:ext cx="2971800" cy="458788"/>
+          </a:xfrm>
+          <a:prstGeom prst="rect">
+            <a:avLst/>
+          </a:prstGeom>
+        </p:spPr>
+        <p:txBody>
+          <a:bodyPr vert="horz" lIns="91440" tIns="45720" rIns="91440" bIns="45720" rtlCol="0"/>
+          <a:lstStyle>
+            <a:lvl1pPr algn="l">
+              <a:defRPr sz="1200"/>
+            </a:lvl1pPr>
+          </a:lstStyle>
+          <a:p>
+            <a:endParaRPr lang="fr-FR"/>
+          </a:p>
+        </p:txBody>
+      </p:sp>
+      <p:sp>
+        <p:nvSpPr>
+          <p:cNvPr id="3" name="Espace réservé de la date 2"/>
+          <p:cNvSpPr>
+            <a:spLocks noGrp="1"/>
+          </p:cNvSpPr>
+          <p:nvPr>
+            <p:ph type="dt" idx="1"/>
+          </p:nvPr>
+        </p:nvSpPr>
+        <p:spPr>
+          <a:xfrm>
+            <a:off x="3884613" y="0"/>
+            <a:ext cx="2971800" cy="458788"/>
+          </a:xfrm>
+          <a:prstGeom prst="rect">
+            <a:avLst/>
+          </a:prstGeom>
+        </p:spPr>
+        <p:txBody>
+          <a:bodyPr vert="horz" lIns="91440" tIns="45720" rIns="91440" bIns="45720" rtlCol="0"/>
+          <a:lstStyle>
+            <a:lvl1pPr algn="r">
+              <a:defRPr sz="1200"/>
+            </a:lvl1pPr>
+          </a:lstStyle>
+          <a:p>
+            <a:fld id="{14FBE9D6-D00F-4ECE-AFEC-6EABE3BD77E2}" type="datetimeFigureOut">
+              <a:rPr lang="fr-FR" smtClean="0"/>
+              <a:t>19/07/2020</a:t>
+            </a:fld>
+            <a:endParaRPr lang="fr-FR"/>
+          </a:p>
+        </p:txBody>
+      </p:sp>
+      <p:sp>
+        <p:nvSpPr>
+          <p:cNvPr id="4" name="Espace réservé de l'image des diapositives 3"/>
+          <p:cNvSpPr>
+            <a:spLocks noGrp="1" noRot="1" noChangeAspect="1"/>
+          </p:cNvSpPr>
+          <p:nvPr>
+            <p:ph type="sldImg" idx="2"/>
+          </p:nvPr>
+        </p:nvSpPr>
+        <p:spPr>
+          <a:xfrm>
+            <a:off x="685800" y="1143000"/>
+            <a:ext cx="5486400" cy="3086100"/>
+          </a:xfrm>
+          <a:prstGeom prst="rect">
+            <a:avLst/>
+          </a:prstGeom>
+          <a:noFill/>
+          <a:ln w="12700">
+            <a:solidFill>
+              <a:prstClr val="black"/>
+            </a:solidFill>
+          </a:ln>
+        </p:spPr>
+        <p:txBody>
+          <a:bodyPr vert="horz" lIns="91440" tIns="45720" rIns="91440" bIns="45720" rtlCol="0" anchor="ctr"/>
+          <a:lstStyle/>
+          <a:p>
+            <a:endParaRPr lang="fr-FR"/>
+          </a:p>
+        </p:txBody>
+      </p:sp>
+      <p:sp>
+        <p:nvSpPr>
+          <p:cNvPr id="5" name="Espace réservé des notes 4"/>
+          <p:cNvSpPr>
+            <a:spLocks noGrp="1"/>
+          </p:cNvSpPr>
+          <p:nvPr>
+            <p:ph type="body" sz="quarter" idx="3"/>
+          </p:nvPr>
+        </p:nvSpPr>
+        <p:spPr>
+          <a:xfrm>
+            <a:off x="685800" y="4400550"/>
+            <a:ext cx="5486400" cy="3600450"/>
+          </a:xfrm>
+          <a:prstGeom prst="rect">
+            <a:avLst/>
+          </a:prstGeom>
+        </p:spPr>
+        <p:txBody>
+          <a:bodyPr vert="horz" lIns="91440" tIns="45720" rIns="91440" bIns="45720" rtlCol="0"/>
+          <a:lstStyle/>
+          <a:p>
+            <a:pPr lvl="0"/>
+            <a:r>
+              <a:rPr lang="fr-FR"/>
+              <a:t>Cliquez pour modifier les styles du texte du masque</a:t>
+            </a:r>
+          </a:p>
+          <a:p>
+            <a:pPr lvl="1"/>
+            <a:r>
+              <a:rPr lang="fr-FR"/>
+              <a:t>Deuxième niveau</a:t>
+            </a:r>
+          </a:p>
+          <a:p>
+            <a:pPr lvl="2"/>
+            <a:r>
+              <a:rPr lang="fr-FR"/>
+              <a:t>Troisième niveau</a:t>
+            </a:r>
+          </a:p>
+          <a:p>
+            <a:pPr lvl="3"/>
+            <a:r>
+              <a:rPr lang="fr-FR"/>
+              <a:t>Quatrième niveau</a:t>
+            </a:r>
+          </a:p>
+          <a:p>
+            <a:pPr lvl="4"/>
+            <a:r>
+              <a:rPr lang="fr-FR"/>
+              <a:t>Cinquième niveau</a:t>
+            </a:r>
+          </a:p>
+        </p:txBody>
+      </p:sp>
+      <p:sp>
+        <p:nvSpPr>
+          <p:cNvPr id="6" name="Espace réservé du pied de page 5"/>
+          <p:cNvSpPr>
+            <a:spLocks noGrp="1"/>
+          </p:cNvSpPr>
+          <p:nvPr>
+            <p:ph type="ftr" sz="quarter" idx="4"/>
+          </p:nvPr>
+        </p:nvSpPr>
+        <p:spPr>
+          <a:xfrm>
+            <a:off x="0" y="8685213"/>
+            <a:ext cx="2971800" cy="458787"/>
+          </a:xfrm>
+          <a:prstGeom prst="rect">
+            <a:avLst/>
+          </a:prstGeom>
+        </p:spPr>
+        <p:txBody>
+          <a:bodyPr vert="horz" lIns="91440" tIns="45720" rIns="91440" bIns="45720" rtlCol="0" anchor="b"/>
+          <a:lstStyle>
+            <a:lvl1pPr algn="l">
+              <a:defRPr sz="1200"/>
+            </a:lvl1pPr>
+          </a:lstStyle>
+          <a:p>
+            <a:endParaRPr lang="fr-FR"/>
+          </a:p>
+        </p:txBody>
+      </p:sp>
+      <p:sp>
+        <p:nvSpPr>
+          <p:cNvPr id="7" name="Espace réservé du numéro de diapositive 6"/>
+          <p:cNvSpPr>
+            <a:spLocks noGrp="1"/>
+          </p:cNvSpPr>
+          <p:nvPr>
+            <p:ph type="sldNum" sz="quarter" idx="5"/>
+          </p:nvPr>
+        </p:nvSpPr>
+        <p:spPr>
+          <a:xfrm>
+            <a:off x="3884613" y="8685213"/>
+            <a:ext cx="2971800" cy="458787"/>
+          </a:xfrm>
+          <a:prstGeom prst="rect">
+            <a:avLst/>
+          </a:prstGeom>
+        </p:spPr>
+        <p:txBody>
+          <a:bodyPr vert="horz" lIns="91440" tIns="45720" rIns="91440" bIns="45720" rtlCol="0" anchor="b"/>
+          <a:lstStyle>
+            <a:lvl1pPr algn="r">
+              <a:defRPr sz="1200"/>
+            </a:lvl1pPr>
+          </a:lstStyle>
+          <a:p>
+            <a:fld id="{0B780590-BF34-47A3-BFF8-2191EC0C7DA9}" type="slidenum">
+              <a:rPr lang="fr-FR" smtClean="0"/>
+              <a:t>‹N°›</a:t>
+            </a:fld>
+            <a:endParaRPr lang="fr-FR"/>
+          </a:p>
+        </p:txBody>
+      </p:sp>
+    </p:spTree>
+    <p:extLst>
+      <p:ext uri="{BB962C8B-B14F-4D97-AF65-F5344CB8AC3E}">
+        <p14:creationId xmlns:p14="http://schemas.microsoft.com/office/powerpoint/2010/main" val="2199737690"/>
+      </p:ext>
+    </p:extLst>
+  </p:cSld>
+  <p:clrMap bg1="lt1" tx1="dk1" bg2="lt2" tx2="dk2" accent1="accent1" accent2="accent2" accent3="accent3" accent4="accent4" accent5="accent5" accent6="accent6" hlink="hlink" folHlink="folHlink"/>
+  <p:notesStyle>
+    <a:lvl1pPr marL="0" algn="l" defTabSz="914400" rtl="0" eaLnBrk="1" latinLnBrk="0" hangingPunct="1">
+      <a:defRPr sz="1200" kern="1200">
+        <a:solidFill>
+          <a:schemeClr val="tx1"/>
+        </a:solidFill>
+        <a:latin typeface="+mn-lt"/>
+        <a:ea typeface="+mn-ea"/>
+        <a:cs typeface="+mn-cs"/>
+      </a:defRPr>
+    </a:lvl1pPr>
+    <a:lvl2pPr marL="457200" algn="l" defTabSz="914400" rtl="0" eaLnBrk="1" latinLnBrk="0" hangingPunct="1">
+      <a:defRPr sz="1200" kern="1200">
+        <a:solidFill>
+          <a:schemeClr val="tx1"/>
+        </a:solidFill>
+        <a:latin typeface="+mn-lt"/>
+        <a:ea typeface="+mn-ea"/>
+        <a:cs typeface="+mn-cs"/>
+      </a:defRPr>
+    </a:lvl2pPr>
+    <a:lvl3pPr marL="914400" algn="l" defTabSz="914400" rtl="0" eaLnBrk="1" latinLnBrk="0" hangingPunct="1">
+      <a:defRPr sz="1200" kern="1200">
+        <a:solidFill>
+          <a:schemeClr val="tx1"/>
+        </a:solidFill>
+        <a:latin typeface="+mn-lt"/>
+        <a:ea typeface="+mn-ea"/>
+        <a:cs typeface="+mn-cs"/>
+      </a:defRPr>
+    </a:lvl3pPr>
+    <a:lvl4pPr marL="1371600" algn="l" defTabSz="914400" rtl="0" eaLnBrk="1" latinLnBrk="0" hangingPunct="1">
+      <a:defRPr sz="1200" kern="1200">
+        <a:solidFill>
+          <a:schemeClr val="tx1"/>
+        </a:solidFill>
+        <a:latin typeface="+mn-lt"/>
+        <a:ea typeface="+mn-ea"/>
+        <a:cs typeface="+mn-cs"/>
+      </a:defRPr>
+    </a:lvl4pPr>
+    <a:lvl5pPr marL="1828800" algn="l" defTabSz="914400" rtl="0" eaLnBrk="1" latinLnBrk="0" hangingPunct="1">
+      <a:defRPr sz="1200" kern="1200">
+        <a:solidFill>
+          <a:schemeClr val="tx1"/>
+        </a:solidFill>
+        <a:latin typeface="+mn-lt"/>
+        <a:ea typeface="+mn-ea"/>
+        <a:cs typeface="+mn-cs"/>
+      </a:defRPr>
+    </a:lvl5pPr>
+    <a:lvl6pPr marL="2286000" algn="l" defTabSz="914400" rtl="0" eaLnBrk="1" latinLnBrk="0" hangingPunct="1">
+      <a:defRPr sz="1200" kern="1200">
+        <a:solidFill>
+          <a:schemeClr val="tx1"/>
+        </a:solidFill>
+        <a:latin typeface="+mn-lt"/>
+        <a:ea typeface="+mn-ea"/>
+        <a:cs typeface="+mn-cs"/>
+      </a:defRPr>
+    </a:lvl6pPr>
+    <a:lvl7pPr marL="2743200" algn="l" defTabSz="914400" rtl="0" eaLnBrk="1" latinLnBrk="0" hangingPunct="1">
+      <a:defRPr sz="1200" kern="1200">
+        <a:solidFill>
+          <a:schemeClr val="tx1"/>
+        </a:solidFill>
+        <a:latin typeface="+mn-lt"/>
+        <a:ea typeface="+mn-ea"/>
+        <a:cs typeface="+mn-cs"/>
+      </a:defRPr>
+    </a:lvl7pPr>
+    <a:lvl8pPr marL="3200400" algn="l" defTabSz="914400" rtl="0" eaLnBrk="1" latinLnBrk="0" hangingPunct="1">
+      <a:defRPr sz="1200" kern="1200">
+        <a:solidFill>
+          <a:schemeClr val="tx1"/>
+        </a:solidFill>
+        <a:latin typeface="+mn-lt"/>
+        <a:ea typeface="+mn-ea"/>
+        <a:cs typeface="+mn-cs"/>
+      </a:defRPr>
+    </a:lvl8pPr>
+    <a:lvl9pPr marL="3657600" algn="l" defTabSz="914400" rtl="0" eaLnBrk="1" latinLnBrk="0" hangingPunct="1">
+      <a:defRPr sz="1200" kern="1200">
+        <a:solidFill>
+          <a:schemeClr val="tx1"/>
+        </a:solidFill>
+        <a:latin typeface="+mn-lt"/>
+        <a:ea typeface="+mn-ea"/>
+        <a:cs typeface="+mn-cs"/>
+      </a:defRPr>
+    </a:lvl9pPr>
+  </p:notesStyle>
+</p:notesMaster>
+</file>
+
 <file path=ppt/slideLayouts/slideLayout1.xml><?xml version="1.0" encoding="utf-8"?>
 <p:sldLayout xmlns:a="http://schemas.openxmlformats.org/drawingml/2006/main" xmlns:r="http://schemas.openxmlformats.org/officeDocument/2006/relationships" xmlns:p="http://schemas.openxmlformats.org/presentationml/2006/main" showMasterSp="0" type="title" preserve="1">
   <p:cSld name="Diapositive de titre">
@@ -320,10 +672,9 @@
             </a:lvl1pPr>
           </a:lstStyle>
           <a:p>
-            <a:fld id="{87DE6118-2437-4B30-8E3C-4D2BE6020583}" type="datetimeFigureOut">
-              <a:rPr lang="en-US" dirty="0"/>
-              <a:pPr/>
-              <a:t>7/15/2020</a:t>
+            <a:fld id="{9AF87D05-AE79-4E69-B502-F44A6724F124}" type="datetime1">
+              <a:rPr lang="en-US" smtClean="0"/>
+              <a:t>7/19/2020</a:t>
             </a:fld>
             <a:endParaRPr lang="en-US" dirty="0"/>
           </a:p>
@@ -392,7 +743,7 @@
             <a:fld id="{69E57DC2-970A-4B3E-BB1C-7A09969E49DF}" type="slidenum">
               <a:rPr lang="en-US" dirty="0"/>
               <a:pPr/>
-              <a:t>‹#›</a:t>
+              <a:t>‹N°›</a:t>
             </a:fld>
             <a:endParaRPr lang="en-US" dirty="0"/>
           </a:p>
@@ -647,9 +998,9 @@
           <a:bodyPr/>
           <a:lstStyle/>
           <a:p>
-            <a:fld id="{87DE6118-2437-4B30-8E3C-4D2BE6020583}" type="datetimeFigureOut">
-              <a:rPr lang="en-US" dirty="0"/>
-              <a:t>7/15/2020</a:t>
+            <a:fld id="{9A9AD69C-A1FB-48CA-AFA2-114AD32F432C}" type="datetime1">
+              <a:rPr lang="en-US" smtClean="0"/>
+              <a:t>7/19/2020</a:t>
             </a:fld>
             <a:endParaRPr lang="en-US" dirty="0"/>
           </a:p>
@@ -691,7 +1042,7 @@
           <a:p>
             <a:fld id="{69E57DC2-970A-4B3E-BB1C-7A09969E49DF}" type="slidenum">
               <a:rPr lang="en-US" dirty="0"/>
-              <a:t>‹#›</a:t>
+              <a:t>‹N°›</a:t>
             </a:fld>
             <a:endParaRPr lang="en-US" dirty="0"/>
           </a:p>
@@ -822,9 +1173,9 @@
           <a:bodyPr/>
           <a:lstStyle/>
           <a:p>
-            <a:fld id="{87DE6118-2437-4B30-8E3C-4D2BE6020583}" type="datetimeFigureOut">
-              <a:rPr lang="en-US" dirty="0"/>
-              <a:t>7/15/2020</a:t>
+            <a:fld id="{B7A48DF0-3831-49EC-9943-5A9C9C28C8A1}" type="datetime1">
+              <a:rPr lang="en-US" smtClean="0"/>
+              <a:t>7/19/2020</a:t>
             </a:fld>
             <a:endParaRPr lang="en-US" dirty="0"/>
           </a:p>
@@ -866,7 +1217,7 @@
           <a:p>
             <a:fld id="{69E57DC2-970A-4B3E-BB1C-7A09969E49DF}" type="slidenum">
               <a:rPr lang="en-US" dirty="0"/>
-              <a:t>‹#›</a:t>
+              <a:t>‹N°›</a:t>
             </a:fld>
             <a:endParaRPr lang="en-US" dirty="0"/>
           </a:p>
@@ -987,9 +1338,9 @@
           <a:bodyPr/>
           <a:lstStyle/>
           <a:p>
-            <a:fld id="{87DE6118-2437-4B30-8E3C-4D2BE6020583}" type="datetimeFigureOut">
-              <a:rPr lang="en-US" dirty="0"/>
-              <a:t>7/15/2020</a:t>
+            <a:fld id="{486BF404-92AE-4F50-9FBB-9E7906F688AA}" type="datetime1">
+              <a:rPr lang="en-US" smtClean="0"/>
+              <a:t>7/19/2020</a:t>
             </a:fld>
             <a:endParaRPr lang="en-US" dirty="0"/>
           </a:p>
@@ -1031,7 +1382,7 @@
           <a:p>
             <a:fld id="{69E57DC2-970A-4B3E-BB1C-7A09969E49DF}" type="slidenum">
               <a:rPr lang="en-US" dirty="0"/>
-              <a:t>‹#›</a:t>
+              <a:t>‹N°›</a:t>
             </a:fld>
             <a:endParaRPr lang="en-US" dirty="0"/>
           </a:p>
@@ -1259,10 +1610,9 @@
             </a:lvl1pPr>
           </a:lstStyle>
           <a:p>
-            <a:fld id="{87DE6118-2437-4B30-8E3C-4D2BE6020583}" type="datetimeFigureOut">
-              <a:rPr lang="en-US" dirty="0"/>
-              <a:pPr/>
-              <a:t>7/15/2020</a:t>
+            <a:fld id="{3D79673C-781D-4661-A145-1A14E9066F5F}" type="datetime1">
+              <a:rPr lang="en-US" smtClean="0"/>
+              <a:t>7/19/2020</a:t>
             </a:fld>
             <a:endParaRPr lang="en-US" dirty="0"/>
           </a:p>
@@ -1331,7 +1681,7 @@
             <a:fld id="{69E57DC2-970A-4B3E-BB1C-7A09969E49DF}" type="slidenum">
               <a:rPr lang="en-US" dirty="0"/>
               <a:pPr/>
-              <a:t>‹#›</a:t>
+              <a:t>‹N°›</a:t>
             </a:fld>
             <a:endParaRPr lang="en-US" dirty="0"/>
           </a:p>
@@ -1650,9 +2000,9 @@
           <a:bodyPr/>
           <a:lstStyle/>
           <a:p>
-            <a:fld id="{87DE6118-2437-4B30-8E3C-4D2BE6020583}" type="datetimeFigureOut">
-              <a:rPr lang="en-US" dirty="0"/>
-              <a:t>7/15/2020</a:t>
+            <a:fld id="{60DEAD4B-65BC-4120-91C2-0E3D3731E24E}" type="datetime1">
+              <a:rPr lang="en-US" smtClean="0"/>
+              <a:t>7/19/2020</a:t>
             </a:fld>
             <a:endParaRPr lang="en-US" dirty="0"/>
           </a:p>
@@ -1694,7 +2044,7 @@
           <a:p>
             <a:fld id="{69E57DC2-970A-4B3E-BB1C-7A09969E49DF}" type="slidenum">
               <a:rPr lang="en-US" dirty="0"/>
-              <a:t>‹#›</a:t>
+              <a:t>‹N°›</a:t>
             </a:fld>
             <a:endParaRPr lang="en-US" dirty="0"/>
           </a:p>
@@ -2122,9 +2472,9 @@
           <a:bodyPr/>
           <a:lstStyle/>
           <a:p>
-            <a:fld id="{87DE6118-2437-4B30-8E3C-4D2BE6020583}" type="datetimeFigureOut">
-              <a:rPr lang="en-US" dirty="0"/>
-              <a:t>7/15/2020</a:t>
+            <a:fld id="{B2853E8C-BE72-408B-8911-BC394E405CA6}" type="datetime1">
+              <a:rPr lang="en-US" smtClean="0"/>
+              <a:t>7/19/2020</a:t>
             </a:fld>
             <a:endParaRPr lang="en-US" dirty="0"/>
           </a:p>
@@ -2166,7 +2516,7 @@
           <a:p>
             <a:fld id="{69E57DC2-970A-4B3E-BB1C-7A09969E49DF}" type="slidenum">
               <a:rPr lang="en-US" dirty="0"/>
-              <a:t>‹#›</a:t>
+              <a:t>‹N°›</a:t>
             </a:fld>
             <a:endParaRPr lang="en-US" dirty="0"/>
           </a:p>
@@ -2235,9 +2585,9 @@
           <a:bodyPr/>
           <a:lstStyle/>
           <a:p>
-            <a:fld id="{87DE6118-2437-4B30-8E3C-4D2BE6020583}" type="datetimeFigureOut">
-              <a:rPr lang="en-US" dirty="0"/>
-              <a:t>7/15/2020</a:t>
+            <a:fld id="{EBE4245C-93E4-4C54-A2CE-75FA4FF291BA}" type="datetime1">
+              <a:rPr lang="en-US" smtClean="0"/>
+              <a:t>7/19/2020</a:t>
             </a:fld>
             <a:endParaRPr lang="en-US" dirty="0"/>
           </a:p>
@@ -2279,7 +2629,7 @@
           <a:p>
             <a:fld id="{69E57DC2-970A-4B3E-BB1C-7A09969E49DF}" type="slidenum">
               <a:rPr lang="en-US" dirty="0"/>
-              <a:t>‹#›</a:t>
+              <a:t>‹N°›</a:t>
             </a:fld>
             <a:endParaRPr lang="en-US" dirty="0"/>
           </a:p>
@@ -2325,9 +2675,9 @@
           <a:bodyPr/>
           <a:lstStyle/>
           <a:p>
-            <a:fld id="{87DE6118-2437-4B30-8E3C-4D2BE6020583}" type="datetimeFigureOut">
-              <a:rPr lang="en-US" dirty="0"/>
-              <a:t>7/15/2020</a:t>
+            <a:fld id="{ECB52914-A117-4DD3-973D-6B560A875C3F}" type="datetime1">
+              <a:rPr lang="en-US" smtClean="0"/>
+              <a:t>7/19/2020</a:t>
             </a:fld>
             <a:endParaRPr lang="en-US" dirty="0"/>
           </a:p>
@@ -2369,7 +2719,7 @@
           <a:p>
             <a:fld id="{69E57DC2-970A-4B3E-BB1C-7A09969E49DF}" type="slidenum">
               <a:rPr lang="en-US" dirty="0"/>
-              <a:t>‹#›</a:t>
+              <a:t>‹N°›</a:t>
             </a:fld>
             <a:endParaRPr lang="en-US" dirty="0"/>
           </a:p>
@@ -2666,10 +3016,9 @@
             </a:lvl1pPr>
           </a:lstStyle>
           <a:p>
-            <a:fld id="{87DE6118-2437-4B30-8E3C-4D2BE6020583}" type="datetimeFigureOut">
-              <a:rPr lang="en-US" dirty="0"/>
-              <a:pPr/>
-              <a:t>7/15/2020</a:t>
+            <a:fld id="{DECA3F20-4515-44F7-8614-CB596F39E371}" type="datetime1">
+              <a:rPr lang="en-US" smtClean="0"/>
+              <a:t>7/19/2020</a:t>
             </a:fld>
             <a:endParaRPr lang="en-US" dirty="0"/>
           </a:p>
@@ -2738,7 +3087,7 @@
             <a:fld id="{69E57DC2-970A-4B3E-BB1C-7A09969E49DF}" type="slidenum">
               <a:rPr lang="en-US" dirty="0"/>
               <a:pPr/>
-              <a:t>‹#›</a:t>
+              <a:t>‹N°›</a:t>
             </a:fld>
             <a:endParaRPr lang="en-US" dirty="0"/>
           </a:p>
@@ -3051,10 +3400,9 @@
             </a:lvl1pPr>
           </a:lstStyle>
           <a:p>
-            <a:fld id="{87DE6118-2437-4B30-8E3C-4D2BE6020583}" type="datetimeFigureOut">
-              <a:rPr lang="en-US" dirty="0"/>
-              <a:pPr/>
-              <a:t>7/15/2020</a:t>
+            <a:fld id="{4AAD396B-432E-4968-83BD-EAE7FDB7F525}" type="datetime1">
+              <a:rPr lang="en-US" smtClean="0"/>
+              <a:t>7/19/2020</a:t>
             </a:fld>
             <a:endParaRPr lang="en-US" dirty="0"/>
           </a:p>
@@ -3123,7 +3471,7 @@
             <a:fld id="{69E57DC2-970A-4B3E-BB1C-7A09969E49DF}" type="slidenum">
               <a:rPr lang="en-US" dirty="0"/>
               <a:pPr/>
-              <a:t>‹#›</a:t>
+              <a:t>‹N°›</a:t>
             </a:fld>
             <a:endParaRPr lang="en-US" dirty="0"/>
           </a:p>
@@ -3326,10 +3674,9 @@
             </a:lvl1pPr>
           </a:lstStyle>
           <a:p>
-            <a:fld id="{87DE6118-2437-4B30-8E3C-4D2BE6020583}" type="datetimeFigureOut">
-              <a:rPr lang="en-US" dirty="0"/>
-              <a:pPr/>
-              <a:t>7/15/2020</a:t>
+            <a:fld id="{87F2A9A5-BC0F-4DB5-8642-13BE0DA32999}" type="datetime1">
+              <a:rPr lang="en-US" smtClean="0"/>
+              <a:t>7/19/2020</a:t>
             </a:fld>
             <a:endParaRPr lang="en-US" dirty="0"/>
           </a:p>
@@ -3404,7 +3751,7 @@
             <a:fld id="{69E57DC2-970A-4B3E-BB1C-7A09969E49DF}" type="slidenum">
               <a:rPr lang="en-US" dirty="0"/>
               <a:pPr/>
-              <a:t>‹#›</a:t>
+              <a:t>‹N°›</a:t>
             </a:fld>
             <a:endParaRPr lang="en-US" dirty="0"/>
           </a:p>
@@ -3464,6 +3811,7 @@
     <p:sldLayoutId id="2147483658" r:id="rId10"/>
     <p:sldLayoutId id="2147483659" r:id="rId11"/>
   </p:sldLayoutIdLst>
+  <p:hf hdr="0" ftr="0" dt="0"/>
   <p:txStyles>
     <p:titleStyle>
       <a:lvl1pPr algn="l" defTabSz="914400" rtl="0" eaLnBrk="1" latinLnBrk="0" hangingPunct="1">
@@ -4387,6 +4735,36 @@
           </a:extLst>
         </p:spPr>
       </p:pic>
+      <p:sp>
+        <p:nvSpPr>
+          <p:cNvPr id="3" name="Espace réservé du numéro de diapositive 2">
+            <a:extLst>
+              <a:ext uri="{FF2B5EF4-FFF2-40B4-BE49-F238E27FC236}">
+                <a16:creationId xmlns:a16="http://schemas.microsoft.com/office/drawing/2014/main" id="{2744BD45-EF4F-4412-8DE2-94B1490D40F4}"/>
+              </a:ext>
+            </a:extLst>
+          </p:cNvPr>
+          <p:cNvSpPr>
+            <a:spLocks noGrp="1"/>
+          </p:cNvSpPr>
+          <p:nvPr>
+            <p:ph type="sldNum" sz="quarter" idx="12"/>
+          </p:nvPr>
+        </p:nvSpPr>
+        <p:spPr/>
+        <p:txBody>
+          <a:bodyPr/>
+          <a:lstStyle/>
+          <a:p>
+            <a:fld id="{69E57DC2-970A-4B3E-BB1C-7A09969E49DF}" type="slidenum">
+              <a:rPr lang="en-US" smtClean="0"/>
+              <a:pPr/>
+              <a:t>1</a:t>
+            </a:fld>
+            <a:endParaRPr lang="en-US" dirty="0"/>
+          </a:p>
+        </p:txBody>
+      </p:sp>
     </p:spTree>
     <p:extLst>
       <p:ext uri="{BB962C8B-B14F-4D97-AF65-F5344CB8AC3E}">
@@ -5038,6 +5416,35 @@
           </a:extLst>
         </p:spPr>
       </p:pic>
+      <p:sp>
+        <p:nvSpPr>
+          <p:cNvPr id="6" name="Espace réservé du numéro de diapositive 5">
+            <a:extLst>
+              <a:ext uri="{FF2B5EF4-FFF2-40B4-BE49-F238E27FC236}">
+                <a16:creationId xmlns:a16="http://schemas.microsoft.com/office/drawing/2014/main" id="{6E388C8C-2CD2-4616-B8FB-1703F817C46B}"/>
+              </a:ext>
+            </a:extLst>
+          </p:cNvPr>
+          <p:cNvSpPr>
+            <a:spLocks noGrp="1"/>
+          </p:cNvSpPr>
+          <p:nvPr>
+            <p:ph type="sldNum" sz="quarter" idx="12"/>
+          </p:nvPr>
+        </p:nvSpPr>
+        <p:spPr/>
+        <p:txBody>
+          <a:bodyPr/>
+          <a:lstStyle/>
+          <a:p>
+            <a:fld id="{69E57DC2-970A-4B3E-BB1C-7A09969E49DF}" type="slidenum">
+              <a:rPr lang="en-US" smtClean="0"/>
+              <a:t>10</a:t>
+            </a:fld>
+            <a:endParaRPr lang="en-US" dirty="0"/>
+          </a:p>
+        </p:txBody>
+      </p:sp>
     </p:spTree>
     <p:extLst>
       <p:ext uri="{BB962C8B-B14F-4D97-AF65-F5344CB8AC3E}">
@@ -5677,6 +6084,35 @@
           </a:extLst>
         </p:spPr>
       </p:pic>
+      <p:sp>
+        <p:nvSpPr>
+          <p:cNvPr id="6" name="Espace réservé du numéro de diapositive 5">
+            <a:extLst>
+              <a:ext uri="{FF2B5EF4-FFF2-40B4-BE49-F238E27FC236}">
+                <a16:creationId xmlns:a16="http://schemas.microsoft.com/office/drawing/2014/main" id="{B484D698-F7BC-4E93-A9C6-C77E1722DC76}"/>
+              </a:ext>
+            </a:extLst>
+          </p:cNvPr>
+          <p:cNvSpPr>
+            <a:spLocks noGrp="1"/>
+          </p:cNvSpPr>
+          <p:nvPr>
+            <p:ph type="sldNum" sz="quarter" idx="12"/>
+          </p:nvPr>
+        </p:nvSpPr>
+        <p:spPr/>
+        <p:txBody>
+          <a:bodyPr/>
+          <a:lstStyle/>
+          <a:p>
+            <a:fld id="{69E57DC2-970A-4B3E-BB1C-7A09969E49DF}" type="slidenum">
+              <a:rPr lang="en-US" smtClean="0"/>
+              <a:t>11</a:t>
+            </a:fld>
+            <a:endParaRPr lang="en-US" dirty="0"/>
+          </a:p>
+        </p:txBody>
+      </p:sp>
     </p:spTree>
     <p:extLst>
       <p:ext uri="{BB962C8B-B14F-4D97-AF65-F5344CB8AC3E}">
@@ -6316,6 +6752,35 @@
           </a:extLst>
         </p:spPr>
       </p:pic>
+      <p:sp>
+        <p:nvSpPr>
+          <p:cNvPr id="6" name="Espace réservé du numéro de diapositive 5">
+            <a:extLst>
+              <a:ext uri="{FF2B5EF4-FFF2-40B4-BE49-F238E27FC236}">
+                <a16:creationId xmlns:a16="http://schemas.microsoft.com/office/drawing/2014/main" id="{830E4B05-E03B-4A36-8340-9485B1103FD9}"/>
+              </a:ext>
+            </a:extLst>
+          </p:cNvPr>
+          <p:cNvSpPr>
+            <a:spLocks noGrp="1"/>
+          </p:cNvSpPr>
+          <p:nvPr>
+            <p:ph type="sldNum" sz="quarter" idx="12"/>
+          </p:nvPr>
+        </p:nvSpPr>
+        <p:spPr/>
+        <p:txBody>
+          <a:bodyPr/>
+          <a:lstStyle/>
+          <a:p>
+            <a:fld id="{69E57DC2-970A-4B3E-BB1C-7A09969E49DF}" type="slidenum">
+              <a:rPr lang="en-US" smtClean="0"/>
+              <a:t>12</a:t>
+            </a:fld>
+            <a:endParaRPr lang="en-US" dirty="0"/>
+          </a:p>
+        </p:txBody>
+      </p:sp>
     </p:spTree>
     <p:extLst>
       <p:ext uri="{BB962C8B-B14F-4D97-AF65-F5344CB8AC3E}">
@@ -6955,6 +7420,35 @@
           </a:extLst>
         </p:spPr>
       </p:pic>
+      <p:sp>
+        <p:nvSpPr>
+          <p:cNvPr id="6" name="Espace réservé du numéro de diapositive 5">
+            <a:extLst>
+              <a:ext uri="{FF2B5EF4-FFF2-40B4-BE49-F238E27FC236}">
+                <a16:creationId xmlns:a16="http://schemas.microsoft.com/office/drawing/2014/main" id="{F4E26146-4C63-475D-A5DA-3A4EB3221EB9}"/>
+              </a:ext>
+            </a:extLst>
+          </p:cNvPr>
+          <p:cNvSpPr>
+            <a:spLocks noGrp="1"/>
+          </p:cNvSpPr>
+          <p:nvPr>
+            <p:ph type="sldNum" sz="quarter" idx="12"/>
+          </p:nvPr>
+        </p:nvSpPr>
+        <p:spPr/>
+        <p:txBody>
+          <a:bodyPr/>
+          <a:lstStyle/>
+          <a:p>
+            <a:fld id="{69E57DC2-970A-4B3E-BB1C-7A09969E49DF}" type="slidenum">
+              <a:rPr lang="en-US" smtClean="0"/>
+              <a:t>13</a:t>
+            </a:fld>
+            <a:endParaRPr lang="en-US" dirty="0"/>
+          </a:p>
+        </p:txBody>
+      </p:sp>
     </p:spTree>
     <p:extLst>
       <p:ext uri="{BB962C8B-B14F-4D97-AF65-F5344CB8AC3E}">
@@ -7415,6 +7909,35 @@
           </a:p>
         </p:txBody>
       </p:sp>
+      <p:sp>
+        <p:nvSpPr>
+          <p:cNvPr id="3" name="Espace réservé du numéro de diapositive 2">
+            <a:extLst>
+              <a:ext uri="{FF2B5EF4-FFF2-40B4-BE49-F238E27FC236}">
+                <a16:creationId xmlns:a16="http://schemas.microsoft.com/office/drawing/2014/main" id="{2FF8A0AA-21B8-4EEC-98FF-B1FB4A67DC81}"/>
+              </a:ext>
+            </a:extLst>
+          </p:cNvPr>
+          <p:cNvSpPr>
+            <a:spLocks noGrp="1"/>
+          </p:cNvSpPr>
+          <p:nvPr>
+            <p:ph type="sldNum" sz="quarter" idx="12"/>
+          </p:nvPr>
+        </p:nvSpPr>
+        <p:spPr/>
+        <p:txBody>
+          <a:bodyPr/>
+          <a:lstStyle/>
+          <a:p>
+            <a:fld id="{69E57DC2-970A-4B3E-BB1C-7A09969E49DF}" type="slidenum">
+              <a:rPr lang="en-US" smtClean="0"/>
+              <a:t>14</a:t>
+            </a:fld>
+            <a:endParaRPr lang="en-US" dirty="0"/>
+          </a:p>
+        </p:txBody>
+      </p:sp>
     </p:spTree>
     <p:extLst>
       <p:ext uri="{BB962C8B-B14F-4D97-AF65-F5344CB8AC3E}">
@@ -7537,8 +8060,37 @@
           <a:p>
             <a:r>
               <a:rPr lang="fr-FR" sz="2400" dirty="0"/>
-              <a:t>Radial basis function network (RBF)</a:t>
-            </a:r>
+              <a:t>Fonction de base radiale (RBF)</a:t>
+            </a:r>
+          </a:p>
+        </p:txBody>
+      </p:sp>
+      <p:sp>
+        <p:nvSpPr>
+          <p:cNvPr id="4" name="Espace réservé du numéro de diapositive 3">
+            <a:extLst>
+              <a:ext uri="{FF2B5EF4-FFF2-40B4-BE49-F238E27FC236}">
+                <a16:creationId xmlns:a16="http://schemas.microsoft.com/office/drawing/2014/main" id="{D3B9AD48-B2E0-4C17-933F-E85C0BBECCC0}"/>
+              </a:ext>
+            </a:extLst>
+          </p:cNvPr>
+          <p:cNvSpPr>
+            <a:spLocks noGrp="1"/>
+          </p:cNvSpPr>
+          <p:nvPr>
+            <p:ph type="sldNum" sz="quarter" idx="12"/>
+          </p:nvPr>
+        </p:nvSpPr>
+        <p:spPr/>
+        <p:txBody>
+          <a:bodyPr/>
+          <a:lstStyle/>
+          <a:p>
+            <a:fld id="{69E57DC2-970A-4B3E-BB1C-7A09969E49DF}" type="slidenum">
+              <a:rPr lang="en-US" smtClean="0"/>
+              <a:t>15</a:t>
+            </a:fld>
+            <a:endParaRPr lang="en-US" dirty="0"/>
           </a:p>
         </p:txBody>
       </p:sp>
@@ -7828,284 +8380,57 @@
           <a:p>
             <a:r>
               <a:rPr lang="fr-FR" sz="2400" dirty="0"/>
+              <a:t>But est de déterminer les W (poids)</a:t>
+            </a:r>
+          </a:p>
+          <a:p>
+            <a:r>
+              <a:rPr lang="fr-FR" sz="2400" dirty="0"/>
+              <a:t>Avec un apprentissage supervisé</a:t>
+            </a:r>
+          </a:p>
+          <a:p>
+            <a:r>
+              <a:rPr lang="fr-FR" sz="2400" dirty="0"/>
               <a:t>Classification</a:t>
             </a:r>
-          </a:p>
-          <a:p>
-            <a:pPr lvl="1"/>
-            <a:r>
-              <a:rPr lang="fr-FR" sz="2400" i="0" dirty="0"/>
-              <a:t>But est de déterminer le W</a:t>
-            </a:r>
-          </a:p>
-          <a:p>
-            <a:pPr lvl="1"/>
             <a:endParaRPr lang="fr-FR" sz="2400" i="0" dirty="0"/>
           </a:p>
           <a:p>
-            <a:pPr lvl="1"/>
-            <a:r>
-              <a:rPr lang="fr-FR" sz="2400" i="0" dirty="0"/>
-              <a:t>Avec un apprentissage supervisé</a:t>
-            </a:r>
-          </a:p>
-          <a:p>
-            <a:pPr lvl="1"/>
-            <a:endParaRPr lang="fr-FR" sz="2400" i="0" dirty="0"/>
-          </a:p>
-          <a:p>
             <a:pPr lvl="2"/>
             <a:r>
               <a:rPr lang="fr-FR" sz="2400" dirty="0"/>
-              <a:t>Règle de Rosenblatt</a:t>
-            </a:r>
-          </a:p>
-        </p:txBody>
-      </p:sp>
-      <p:sp>
-        <p:nvSpPr>
-          <p:cNvPr id="7" name="Espace réservé du contenu 2">
-            <a:extLst>
-              <a:ext uri="{FF2B5EF4-FFF2-40B4-BE49-F238E27FC236}">
-                <a16:creationId xmlns:a16="http://schemas.microsoft.com/office/drawing/2014/main" id="{F23B20CB-EE3B-4977-932B-E36A3A1AA040}"/>
-              </a:ext>
-            </a:extLst>
-          </p:cNvPr>
-          <p:cNvSpPr txBox="1">
-            <a:spLocks/>
-          </p:cNvSpPr>
-          <p:nvPr/>
-        </p:nvSpPr>
-        <p:spPr>
-          <a:xfrm>
-            <a:off x="6675120" y="2178268"/>
-            <a:ext cx="5688037" cy="4918265"/>
-          </a:xfrm>
-          <a:prstGeom prst="rect">
-            <a:avLst/>
-          </a:prstGeom>
-        </p:spPr>
-        <p:txBody>
-          <a:bodyPr vert="horz" lIns="91440" tIns="45720" rIns="91440" bIns="45720" rtlCol="0">
-            <a:normAutofit/>
-          </a:bodyPr>
-          <a:lstStyle>
-            <a:lvl1pPr marL="384048" indent="-384048" algn="l" defTabSz="914400" rtl="0" eaLnBrk="1" latinLnBrk="0" hangingPunct="1">
-              <a:lnSpc>
-                <a:spcPct val="94000"/>
-              </a:lnSpc>
-              <a:spcBef>
-                <a:spcPts val="1000"/>
-              </a:spcBef>
-              <a:spcAft>
-                <a:spcPts val="200"/>
-              </a:spcAft>
-              <a:buFont typeface="Franklin Gothic Book" panose="020B0503020102020204" pitchFamily="34" charset="0"/>
-              <a:buChar char="■"/>
-              <a:defRPr sz="2000" kern="1200" baseline="0">
-                <a:solidFill>
-                  <a:schemeClr val="tx2"/>
-                </a:solidFill>
-                <a:latin typeface="+mn-lt"/>
-                <a:ea typeface="+mn-ea"/>
-                <a:cs typeface="+mn-cs"/>
-              </a:defRPr>
-            </a:lvl1pPr>
-            <a:lvl2pPr marL="914400" indent="-384048" algn="l" defTabSz="914400" rtl="0" eaLnBrk="1" latinLnBrk="0" hangingPunct="1">
-              <a:lnSpc>
-                <a:spcPct val="94000"/>
-              </a:lnSpc>
-              <a:spcBef>
-                <a:spcPts val="500"/>
-              </a:spcBef>
-              <a:spcAft>
-                <a:spcPts val="200"/>
-              </a:spcAft>
-              <a:buFont typeface="Franklin Gothic Book" panose="020B0503020102020204" pitchFamily="34" charset="0"/>
-              <a:buChar char="–"/>
-              <a:defRPr sz="2000" i="1" kern="1200" baseline="0">
-                <a:solidFill>
-                  <a:schemeClr val="tx2"/>
-                </a:solidFill>
-                <a:latin typeface="+mn-lt"/>
-                <a:ea typeface="+mn-ea"/>
-                <a:cs typeface="+mn-cs"/>
-              </a:defRPr>
-            </a:lvl2pPr>
-            <a:lvl3pPr marL="1371600" indent="-384048" algn="l" defTabSz="914400" rtl="0" eaLnBrk="1" latinLnBrk="0" hangingPunct="1">
-              <a:lnSpc>
-                <a:spcPct val="94000"/>
-              </a:lnSpc>
-              <a:spcBef>
-                <a:spcPts val="500"/>
-              </a:spcBef>
-              <a:spcAft>
-                <a:spcPts val="200"/>
-              </a:spcAft>
-              <a:buFont typeface="Franklin Gothic Book" panose="020B0503020102020204" pitchFamily="34" charset="0"/>
-              <a:buChar char="■"/>
-              <a:defRPr sz="1800" kern="1200" baseline="0">
-                <a:solidFill>
-                  <a:schemeClr val="tx2"/>
-                </a:solidFill>
-                <a:latin typeface="+mn-lt"/>
-                <a:ea typeface="+mn-ea"/>
-                <a:cs typeface="+mn-cs"/>
-              </a:defRPr>
-            </a:lvl3pPr>
-            <a:lvl4pPr marL="1828800" indent="-384048" algn="l" defTabSz="914400" rtl="0" eaLnBrk="1" latinLnBrk="0" hangingPunct="1">
-              <a:lnSpc>
-                <a:spcPct val="94000"/>
-              </a:lnSpc>
-              <a:spcBef>
-                <a:spcPts val="500"/>
-              </a:spcBef>
-              <a:spcAft>
-                <a:spcPts val="200"/>
-              </a:spcAft>
-              <a:buFont typeface="Franklin Gothic Book" panose="020B0503020102020204" pitchFamily="34" charset="0"/>
-              <a:buChar char="–"/>
-              <a:defRPr sz="1800" i="1" kern="1200" baseline="0">
-                <a:solidFill>
-                  <a:schemeClr val="tx2"/>
-                </a:solidFill>
-                <a:latin typeface="+mn-lt"/>
-                <a:ea typeface="+mn-ea"/>
-                <a:cs typeface="+mn-cs"/>
-              </a:defRPr>
-            </a:lvl4pPr>
-            <a:lvl5pPr marL="2286000" indent="-384048" algn="l" defTabSz="914400" rtl="0" eaLnBrk="1" latinLnBrk="0" hangingPunct="1">
-              <a:lnSpc>
-                <a:spcPct val="94000"/>
-              </a:lnSpc>
-              <a:spcBef>
-                <a:spcPts val="500"/>
-              </a:spcBef>
-              <a:spcAft>
-                <a:spcPts val="200"/>
-              </a:spcAft>
-              <a:buFont typeface="Franklin Gothic Book" panose="020B0503020102020204" pitchFamily="34" charset="0"/>
-              <a:buChar char="■"/>
-              <a:defRPr sz="1600" kern="1200" baseline="0">
-                <a:solidFill>
-                  <a:schemeClr val="tx2"/>
-                </a:solidFill>
-                <a:latin typeface="+mn-lt"/>
-                <a:ea typeface="+mn-ea"/>
-                <a:cs typeface="+mn-cs"/>
-              </a:defRPr>
-            </a:lvl5pPr>
-            <a:lvl6pPr marL="2743200" indent="-384048" algn="l" defTabSz="914400" rtl="0" eaLnBrk="1" latinLnBrk="0" hangingPunct="1">
-              <a:lnSpc>
-                <a:spcPct val="94000"/>
-              </a:lnSpc>
-              <a:spcBef>
-                <a:spcPts val="500"/>
-              </a:spcBef>
-              <a:spcAft>
-                <a:spcPts val="200"/>
-              </a:spcAft>
-              <a:buFont typeface="Franklin Gothic Book" panose="020B0503020102020204" pitchFamily="34" charset="0"/>
-              <a:buChar char="–"/>
-              <a:defRPr sz="1600" i="1" kern="1200" baseline="0">
-                <a:solidFill>
-                  <a:schemeClr val="tx2"/>
-                </a:solidFill>
-                <a:latin typeface="+mn-lt"/>
-                <a:ea typeface="+mn-ea"/>
-                <a:cs typeface="+mn-cs"/>
-              </a:defRPr>
-            </a:lvl6pPr>
-            <a:lvl7pPr marL="3200400" indent="-384048" algn="l" defTabSz="914400" rtl="0" eaLnBrk="1" latinLnBrk="0" hangingPunct="1">
-              <a:lnSpc>
-                <a:spcPct val="94000"/>
-              </a:lnSpc>
-              <a:spcBef>
-                <a:spcPts val="500"/>
-              </a:spcBef>
-              <a:spcAft>
-                <a:spcPts val="200"/>
-              </a:spcAft>
-              <a:buFont typeface="Franklin Gothic Book" panose="020B0503020102020204" pitchFamily="34" charset="0"/>
-              <a:buChar char="■"/>
-              <a:defRPr sz="1400" kern="1200" baseline="0">
-                <a:solidFill>
-                  <a:schemeClr val="tx2"/>
-                </a:solidFill>
-                <a:latin typeface="+mn-lt"/>
-                <a:ea typeface="+mn-ea"/>
-                <a:cs typeface="+mn-cs"/>
-              </a:defRPr>
-            </a:lvl7pPr>
-            <a:lvl8pPr marL="3657600" indent="-384048" algn="l" defTabSz="914400" rtl="0" eaLnBrk="1" latinLnBrk="0" hangingPunct="1">
-              <a:lnSpc>
-                <a:spcPct val="94000"/>
-              </a:lnSpc>
-              <a:spcBef>
-                <a:spcPts val="500"/>
-              </a:spcBef>
-              <a:spcAft>
-                <a:spcPts val="200"/>
-              </a:spcAft>
-              <a:buFont typeface="Franklin Gothic Book" panose="020B0503020102020204" pitchFamily="34" charset="0"/>
-              <a:buChar char="–"/>
-              <a:defRPr sz="1400" i="1" kern="1200" baseline="0">
-                <a:solidFill>
-                  <a:schemeClr val="tx2"/>
-                </a:solidFill>
-                <a:latin typeface="+mn-lt"/>
-                <a:ea typeface="+mn-ea"/>
-                <a:cs typeface="+mn-cs"/>
-              </a:defRPr>
-            </a:lvl8pPr>
-            <a:lvl9pPr marL="4114800" indent="-384048" algn="l" defTabSz="914400" rtl="0" eaLnBrk="1" latinLnBrk="0" hangingPunct="1">
-              <a:lnSpc>
-                <a:spcPct val="94000"/>
-              </a:lnSpc>
-              <a:spcBef>
-                <a:spcPts val="500"/>
-              </a:spcBef>
-              <a:spcAft>
-                <a:spcPts val="200"/>
-              </a:spcAft>
-              <a:buFont typeface="Franklin Gothic Book" panose="020B0503020102020204" pitchFamily="34" charset="0"/>
-              <a:buChar char="■"/>
-              <a:defRPr sz="1400" kern="1200" baseline="0">
-                <a:solidFill>
-                  <a:schemeClr val="tx2"/>
-                </a:solidFill>
-                <a:latin typeface="+mn-lt"/>
-                <a:ea typeface="+mn-ea"/>
-                <a:cs typeface="+mn-cs"/>
-              </a:defRPr>
-            </a:lvl9pPr>
-          </a:lstStyle>
-          <a:p>
+              <a:t>Règle de </a:t>
+            </a:r>
+            <a:r>
+              <a:rPr lang="fr-FR" sz="2400" dirty="0" err="1"/>
+              <a:t>Rosenblatt</a:t>
+            </a:r>
+            <a:endParaRPr lang="fr-FR" sz="2400" dirty="0"/>
+          </a:p>
+          <a:p>
+            <a:r>
+              <a:rPr lang="fr-FR" sz="2600" dirty="0"/>
+              <a:t>Régression</a:t>
+            </a:r>
+          </a:p>
+          <a:p>
+            <a:pPr lvl="2"/>
+            <a:r>
+              <a:rPr lang="fr-FR" sz="2200" dirty="0"/>
+              <a:t>Minimiser le carré de l’erreur</a:t>
+            </a:r>
+            <a:endParaRPr lang="fr-FR" sz="2400" dirty="0"/>
+          </a:p>
+          <a:p>
+            <a:pPr lvl="2"/>
             <a:r>
               <a:rPr lang="fr-FR" sz="2400" dirty="0"/>
-              <a:t>Régression</a:t>
-            </a:r>
-          </a:p>
-          <a:p>
-            <a:pPr lvl="1"/>
-            <a:r>
-              <a:rPr lang="fr-FR" sz="2400" i="0" dirty="0"/>
-              <a:t>Minimiser le carré de l’erreur</a:t>
-            </a:r>
-          </a:p>
-          <a:p>
-            <a:pPr lvl="1"/>
-            <a:endParaRPr lang="fr-FR" sz="2400" i="0" dirty="0"/>
-          </a:p>
-          <a:p>
-            <a:pPr lvl="1"/>
-            <a:r>
-              <a:rPr lang="fr-FR" sz="2400" i="0" dirty="0"/>
               <a:t>Utilisation de la pseudo inverse pour calculer W en un coup</a:t>
             </a:r>
           </a:p>
           <a:p>
-            <a:pPr lvl="1"/>
+            <a:pPr lvl="2"/>
             <a:endParaRPr lang="fr-FR" sz="2400" dirty="0"/>
           </a:p>
         </p:txBody>
@@ -8339,6 +8664,65 @@
           </a:p>
         </p:txBody>
       </p:sp>
+      <p:sp>
+        <p:nvSpPr>
+          <p:cNvPr id="3" name="Espace réservé du numéro de diapositive 2">
+            <a:extLst>
+              <a:ext uri="{FF2B5EF4-FFF2-40B4-BE49-F238E27FC236}">
+                <a16:creationId xmlns:a16="http://schemas.microsoft.com/office/drawing/2014/main" id="{FA7C3937-A9D8-4533-8CB2-BB0D3FFB19E8}"/>
+              </a:ext>
+            </a:extLst>
+          </p:cNvPr>
+          <p:cNvSpPr>
+            <a:spLocks noGrp="1"/>
+          </p:cNvSpPr>
+          <p:nvPr>
+            <p:ph type="sldNum" sz="quarter" idx="12"/>
+          </p:nvPr>
+        </p:nvSpPr>
+        <p:spPr/>
+        <p:txBody>
+          <a:bodyPr/>
+          <a:lstStyle/>
+          <a:p>
+            <a:fld id="{69E57DC2-970A-4B3E-BB1C-7A09969E49DF}" type="slidenum">
+              <a:rPr lang="en-US" smtClean="0"/>
+              <a:t>16</a:t>
+            </a:fld>
+            <a:endParaRPr lang="en-US" dirty="0"/>
+          </a:p>
+        </p:txBody>
+      </p:sp>
+      <p:pic>
+        <p:nvPicPr>
+          <p:cNvPr id="5" name="Image 4">
+            <a:extLst>
+              <a:ext uri="{FF2B5EF4-FFF2-40B4-BE49-F238E27FC236}">
+                <a16:creationId xmlns:a16="http://schemas.microsoft.com/office/drawing/2014/main" id="{818C8C3C-BF4D-4344-9825-9F9F0299935F}"/>
+              </a:ext>
+            </a:extLst>
+          </p:cNvPr>
+          <p:cNvPicPr>
+            <a:picLocks noChangeAspect="1"/>
+          </p:cNvPicPr>
+          <p:nvPr/>
+        </p:nvPicPr>
+        <p:blipFill>
+          <a:blip r:embed="rId2"/>
+          <a:stretch>
+            <a:fillRect/>
+          </a:stretch>
+        </p:blipFill>
+        <p:spPr>
+          <a:xfrm>
+            <a:off x="6450253" y="2709014"/>
+            <a:ext cx="5560333" cy="2087060"/>
+          </a:xfrm>
+          <a:prstGeom prst="rect">
+            <a:avLst/>
+          </a:prstGeom>
+        </p:spPr>
+      </p:pic>
     </p:spTree>
     <p:extLst>
       <p:ext uri="{BB962C8B-B14F-4D97-AF65-F5344CB8AC3E}">
@@ -8402,6 +8786,35 @@
               <a:rPr lang="fr-FR" sz="6600" b="1" dirty="0"/>
               <a:t>Review du code</a:t>
             </a:r>
+          </a:p>
+        </p:txBody>
+      </p:sp>
+      <p:sp>
+        <p:nvSpPr>
+          <p:cNvPr id="3" name="Espace réservé du numéro de diapositive 2">
+            <a:extLst>
+              <a:ext uri="{FF2B5EF4-FFF2-40B4-BE49-F238E27FC236}">
+                <a16:creationId xmlns:a16="http://schemas.microsoft.com/office/drawing/2014/main" id="{D727F90C-AD81-4640-8786-97BAC54C33C5}"/>
+              </a:ext>
+            </a:extLst>
+          </p:cNvPr>
+          <p:cNvSpPr>
+            <a:spLocks noGrp="1"/>
+          </p:cNvSpPr>
+          <p:nvPr>
+            <p:ph type="sldNum" sz="quarter" idx="12"/>
+          </p:nvPr>
+        </p:nvSpPr>
+        <p:spPr/>
+        <p:txBody>
+          <a:bodyPr/>
+          <a:lstStyle/>
+          <a:p>
+            <a:fld id="{69E57DC2-970A-4B3E-BB1C-7A09969E49DF}" type="slidenum">
+              <a:rPr lang="en-US" smtClean="0"/>
+              <a:t>17</a:t>
+            </a:fld>
+            <a:endParaRPr lang="en-US" dirty="0"/>
           </a:p>
         </p:txBody>
       </p:sp>
@@ -9031,6 +9444,35 @@
           </a:prstGeom>
         </p:spPr>
       </p:pic>
+      <p:sp>
+        <p:nvSpPr>
+          <p:cNvPr id="3" name="Espace réservé du numéro de diapositive 2">
+            <a:extLst>
+              <a:ext uri="{FF2B5EF4-FFF2-40B4-BE49-F238E27FC236}">
+                <a16:creationId xmlns:a16="http://schemas.microsoft.com/office/drawing/2014/main" id="{EEC66848-0683-4C92-A0A2-DF90A2886ECB}"/>
+              </a:ext>
+            </a:extLst>
+          </p:cNvPr>
+          <p:cNvSpPr>
+            <a:spLocks noGrp="1"/>
+          </p:cNvSpPr>
+          <p:nvPr>
+            <p:ph type="sldNum" sz="quarter" idx="12"/>
+          </p:nvPr>
+        </p:nvSpPr>
+        <p:spPr/>
+        <p:txBody>
+          <a:bodyPr/>
+          <a:lstStyle/>
+          <a:p>
+            <a:fld id="{69E57DC2-970A-4B3E-BB1C-7A09969E49DF}" type="slidenum">
+              <a:rPr lang="en-US" smtClean="0"/>
+              <a:t>18</a:t>
+            </a:fld>
+            <a:endParaRPr lang="en-US" dirty="0"/>
+          </a:p>
+        </p:txBody>
+      </p:sp>
     </p:spTree>
     <p:extLst>
       <p:ext uri="{BB962C8B-B14F-4D97-AF65-F5344CB8AC3E}">
@@ -9094,6 +9536,35 @@
               <a:rPr lang="fr-FR" sz="6600" b="1" dirty="0"/>
               <a:t>Review du code</a:t>
             </a:r>
+          </a:p>
+        </p:txBody>
+      </p:sp>
+      <p:sp>
+        <p:nvSpPr>
+          <p:cNvPr id="3" name="Espace réservé du numéro de diapositive 2">
+            <a:extLst>
+              <a:ext uri="{FF2B5EF4-FFF2-40B4-BE49-F238E27FC236}">
+                <a16:creationId xmlns:a16="http://schemas.microsoft.com/office/drawing/2014/main" id="{F4D80649-8826-4682-91CA-3ADD07DF900A}"/>
+              </a:ext>
+            </a:extLst>
+          </p:cNvPr>
+          <p:cNvSpPr>
+            <a:spLocks noGrp="1"/>
+          </p:cNvSpPr>
+          <p:nvPr>
+            <p:ph type="sldNum" sz="quarter" idx="12"/>
+          </p:nvPr>
+        </p:nvSpPr>
+        <p:spPr/>
+        <p:txBody>
+          <a:bodyPr/>
+          <a:lstStyle/>
+          <a:p>
+            <a:fld id="{69E57DC2-970A-4B3E-BB1C-7A09969E49DF}" type="slidenum">
+              <a:rPr lang="en-US" smtClean="0"/>
+              <a:t>19</a:t>
+            </a:fld>
+            <a:endParaRPr lang="en-US" dirty="0"/>
           </a:p>
         </p:txBody>
       </p:sp>
@@ -9372,6 +9843,35 @@
           </a:p>
         </p:txBody>
       </p:sp>
+      <p:sp>
+        <p:nvSpPr>
+          <p:cNvPr id="4" name="Espace réservé du numéro de diapositive 3">
+            <a:extLst>
+              <a:ext uri="{FF2B5EF4-FFF2-40B4-BE49-F238E27FC236}">
+                <a16:creationId xmlns:a16="http://schemas.microsoft.com/office/drawing/2014/main" id="{28E93CA3-D344-4FA0-B8CA-37A4382C4DF6}"/>
+              </a:ext>
+            </a:extLst>
+          </p:cNvPr>
+          <p:cNvSpPr>
+            <a:spLocks noGrp="1"/>
+          </p:cNvSpPr>
+          <p:nvPr>
+            <p:ph type="sldNum" sz="quarter" idx="12"/>
+          </p:nvPr>
+        </p:nvSpPr>
+        <p:spPr/>
+        <p:txBody>
+          <a:bodyPr/>
+          <a:lstStyle/>
+          <a:p>
+            <a:fld id="{69E57DC2-970A-4B3E-BB1C-7A09969E49DF}" type="slidenum">
+              <a:rPr lang="en-US" smtClean="0"/>
+              <a:t>2</a:t>
+            </a:fld>
+            <a:endParaRPr lang="en-US" dirty="0"/>
+          </a:p>
+        </p:txBody>
+      </p:sp>
     </p:spTree>
     <p:extLst>
       <p:ext uri="{BB962C8B-B14F-4D97-AF65-F5344CB8AC3E}">
@@ -9665,7 +10165,7 @@
             <a:pPr lvl="1"/>
             <a:r>
               <a:rPr lang="fr-FR" sz="2400" i="0" dirty="0"/>
-              <a:t>Meilleurs algorithmes pour généraliser </a:t>
+              <a:t>Meilleur algorithme pour généraliser </a:t>
             </a:r>
           </a:p>
           <a:p>
@@ -9679,7 +10179,7 @@
             <a:pPr lvl="1"/>
             <a:r>
               <a:rPr lang="fr-FR" sz="2400" dirty="0"/>
-              <a:t>Optimisé pour des dataset avec peu d’erreur</a:t>
+              <a:t>Optimisé pour des dataset avec peu d’erreurs</a:t>
             </a:r>
           </a:p>
           <a:p>
@@ -9692,7 +10192,7 @@
             <a:pPr lvl="1"/>
             <a:r>
               <a:rPr lang="fr-FR" sz="2400" dirty="0"/>
-              <a:t>Calculer la marge : distance entre notre séparations linéaire et les premiers exemples </a:t>
+              <a:t>Calculer la marge : distance entre notre séparation linéaire et les premiers exemples </a:t>
             </a:r>
           </a:p>
           <a:p>
@@ -9965,6 +10465,35 @@
           </a:prstGeom>
         </p:spPr>
       </p:pic>
+      <p:sp>
+        <p:nvSpPr>
+          <p:cNvPr id="5" name="Espace réservé du numéro de diapositive 4">
+            <a:extLst>
+              <a:ext uri="{FF2B5EF4-FFF2-40B4-BE49-F238E27FC236}">
+                <a16:creationId xmlns:a16="http://schemas.microsoft.com/office/drawing/2014/main" id="{962B4135-73C6-4F39-BB74-F555139DB92E}"/>
+              </a:ext>
+            </a:extLst>
+          </p:cNvPr>
+          <p:cNvSpPr>
+            <a:spLocks noGrp="1"/>
+          </p:cNvSpPr>
+          <p:nvPr>
+            <p:ph type="sldNum" sz="quarter" idx="12"/>
+          </p:nvPr>
+        </p:nvSpPr>
+        <p:spPr/>
+        <p:txBody>
+          <a:bodyPr/>
+          <a:lstStyle/>
+          <a:p>
+            <a:fld id="{69E57DC2-970A-4B3E-BB1C-7A09969E49DF}" type="slidenum">
+              <a:rPr lang="en-US" smtClean="0"/>
+              <a:t>20</a:t>
+            </a:fld>
+            <a:endParaRPr lang="en-US" dirty="0"/>
+          </a:p>
+        </p:txBody>
+      </p:sp>
     </p:spTree>
     <p:extLst>
       <p:ext uri="{BB962C8B-B14F-4D97-AF65-F5344CB8AC3E}">
@@ -10491,7 +11020,7 @@
             <a:pPr lvl="1"/>
             <a:r>
               <a:rPr lang="fr-FR" sz="2400" i="0" dirty="0"/>
-              <a:t>Identifier les exemples qui servent de vecteurs support pour la séparation</a:t>
+              <a:t>Identifier les exemples qui servent de vecteurs supports pour la séparation</a:t>
             </a:r>
           </a:p>
           <a:p>
@@ -10505,7 +11034,7 @@
             <a:pPr lvl="2"/>
             <a:r>
               <a:rPr lang="fr-FR" sz="2200" dirty="0"/>
-              <a:t>Maximiser la probabilité de ne pas avoir d’erreur</a:t>
+              <a:t>Maximiser la probabilité de ne pas avoir d’erreurs</a:t>
             </a:r>
           </a:p>
           <a:p>
@@ -10519,7 +11048,7 @@
             <a:pPr lvl="1"/>
             <a:r>
               <a:rPr lang="fr-FR" sz="2400" dirty="0"/>
-              <a:t>Autant de paramètres dans notre modèle que de vecteurs support</a:t>
+              <a:t>Autant de paramètres dans notre modèle que de vecteurs supports</a:t>
             </a:r>
           </a:p>
           <a:p>
@@ -10576,6 +11105,35 @@
           </a:prstGeom>
         </p:spPr>
       </p:pic>
+      <p:sp>
+        <p:nvSpPr>
+          <p:cNvPr id="3" name="Espace réservé du numéro de diapositive 2">
+            <a:extLst>
+              <a:ext uri="{FF2B5EF4-FFF2-40B4-BE49-F238E27FC236}">
+                <a16:creationId xmlns:a16="http://schemas.microsoft.com/office/drawing/2014/main" id="{F52F32AC-3074-49B6-9312-A6A28E69D9B7}"/>
+              </a:ext>
+            </a:extLst>
+          </p:cNvPr>
+          <p:cNvSpPr>
+            <a:spLocks noGrp="1"/>
+          </p:cNvSpPr>
+          <p:nvPr>
+            <p:ph type="sldNum" sz="quarter" idx="12"/>
+          </p:nvPr>
+        </p:nvSpPr>
+        <p:spPr/>
+        <p:txBody>
+          <a:bodyPr/>
+          <a:lstStyle/>
+          <a:p>
+            <a:fld id="{69E57DC2-970A-4B3E-BB1C-7A09969E49DF}" type="slidenum">
+              <a:rPr lang="en-US" smtClean="0"/>
+              <a:t>21</a:t>
+            </a:fld>
+            <a:endParaRPr lang="en-US" dirty="0"/>
+          </a:p>
+        </p:txBody>
+      </p:sp>
     </p:spTree>
     <p:extLst>
       <p:ext uri="{BB962C8B-B14F-4D97-AF65-F5344CB8AC3E}">
@@ -11107,14 +11665,14 @@
             <a:pPr lvl="1"/>
             <a:r>
               <a:rPr lang="fr-FR" sz="2400" dirty="0"/>
-              <a:t>Utiliser les SVM dans un espaces de très grande dimension</a:t>
+              <a:t>Utiliser les SVM dans un espace de très grande dimension</a:t>
             </a:r>
           </a:p>
           <a:p>
             <a:pPr lvl="1"/>
             <a:r>
               <a:rPr lang="fr-FR" sz="2400" dirty="0"/>
-              <a:t>Permet de calculer le résultat de produit scalaire d’un certain type de transformation sans projeter les vecteur</a:t>
+              <a:t>Permet de calculer le résultat de produit scalaire d’un certain type de transformation sans projeter les vecteurs</a:t>
             </a:r>
           </a:p>
           <a:p>
@@ -11128,7 +11686,7 @@
             <a:pPr lvl="2"/>
             <a:r>
               <a:rPr lang="fr-FR" sz="2200" dirty="0"/>
-              <a:t>Noyau à base radial</a:t>
+              <a:t>Noyau à base radiale</a:t>
             </a:r>
           </a:p>
           <a:p>
@@ -11143,6 +11701,35 @@
           </a:p>
           <a:p>
             <a:endParaRPr lang="fr-FR" sz="2400" b="1" i="0" dirty="0"/>
+          </a:p>
+        </p:txBody>
+      </p:sp>
+      <p:sp>
+        <p:nvSpPr>
+          <p:cNvPr id="3" name="Espace réservé du numéro de diapositive 2">
+            <a:extLst>
+              <a:ext uri="{FF2B5EF4-FFF2-40B4-BE49-F238E27FC236}">
+                <a16:creationId xmlns:a16="http://schemas.microsoft.com/office/drawing/2014/main" id="{0BE0CA72-7D67-4A1F-BE2D-9B84B83736A1}"/>
+              </a:ext>
+            </a:extLst>
+          </p:cNvPr>
+          <p:cNvSpPr>
+            <a:spLocks noGrp="1"/>
+          </p:cNvSpPr>
+          <p:nvPr>
+            <p:ph type="sldNum" sz="quarter" idx="12"/>
+          </p:nvPr>
+        </p:nvSpPr>
+        <p:spPr/>
+        <p:txBody>
+          <a:bodyPr/>
+          <a:lstStyle/>
+          <a:p>
+            <a:fld id="{69E57DC2-970A-4B3E-BB1C-7A09969E49DF}" type="slidenum">
+              <a:rPr lang="en-US" smtClean="0"/>
+              <a:t>22</a:t>
+            </a:fld>
+            <a:endParaRPr lang="en-US" dirty="0"/>
           </a:p>
         </p:txBody>
       </p:sp>
@@ -11742,6 +12329,35 @@
           </a:prstGeom>
         </p:spPr>
       </p:pic>
+      <p:sp>
+        <p:nvSpPr>
+          <p:cNvPr id="3" name="Espace réservé du numéro de diapositive 2">
+            <a:extLst>
+              <a:ext uri="{FF2B5EF4-FFF2-40B4-BE49-F238E27FC236}">
+                <a16:creationId xmlns:a16="http://schemas.microsoft.com/office/drawing/2014/main" id="{F12F7D1A-05EF-4818-A458-1A6EC5975B8C}"/>
+              </a:ext>
+            </a:extLst>
+          </p:cNvPr>
+          <p:cNvSpPr>
+            <a:spLocks noGrp="1"/>
+          </p:cNvSpPr>
+          <p:nvPr>
+            <p:ph type="sldNum" sz="quarter" idx="12"/>
+          </p:nvPr>
+        </p:nvSpPr>
+        <p:spPr/>
+        <p:txBody>
+          <a:bodyPr/>
+          <a:lstStyle/>
+          <a:p>
+            <a:fld id="{69E57DC2-970A-4B3E-BB1C-7A09969E49DF}" type="slidenum">
+              <a:rPr lang="en-US" smtClean="0"/>
+              <a:t>23</a:t>
+            </a:fld>
+            <a:endParaRPr lang="en-US" dirty="0"/>
+          </a:p>
+        </p:txBody>
+      </p:sp>
     </p:spTree>
     <p:extLst>
       <p:ext uri="{BB962C8B-B14F-4D97-AF65-F5344CB8AC3E}">
@@ -12355,6 +12971,35 @@
           </a:extLst>
         </p:spPr>
       </p:pic>
+      <p:sp>
+        <p:nvSpPr>
+          <p:cNvPr id="3" name="Espace réservé du numéro de diapositive 2">
+            <a:extLst>
+              <a:ext uri="{FF2B5EF4-FFF2-40B4-BE49-F238E27FC236}">
+                <a16:creationId xmlns:a16="http://schemas.microsoft.com/office/drawing/2014/main" id="{A4B31398-4925-4DBE-BC1B-B5EFD8C0D497}"/>
+              </a:ext>
+            </a:extLst>
+          </p:cNvPr>
+          <p:cNvSpPr>
+            <a:spLocks noGrp="1"/>
+          </p:cNvSpPr>
+          <p:nvPr>
+            <p:ph type="sldNum" sz="quarter" idx="12"/>
+          </p:nvPr>
+        </p:nvSpPr>
+        <p:spPr/>
+        <p:txBody>
+          <a:bodyPr/>
+          <a:lstStyle/>
+          <a:p>
+            <a:fld id="{69E57DC2-970A-4B3E-BB1C-7A09969E49DF}" type="slidenum">
+              <a:rPr lang="en-US" smtClean="0"/>
+              <a:t>24</a:t>
+            </a:fld>
+            <a:endParaRPr lang="en-US" dirty="0"/>
+          </a:p>
+        </p:txBody>
+      </p:sp>
     </p:spTree>
     <p:extLst>
       <p:ext uri="{BB962C8B-B14F-4D97-AF65-F5344CB8AC3E}">
@@ -12418,6 +13063,35 @@
               <a:rPr lang="fr-FR" sz="6600" b="1" dirty="0"/>
               <a:t>Review du code</a:t>
             </a:r>
+          </a:p>
+        </p:txBody>
+      </p:sp>
+      <p:sp>
+        <p:nvSpPr>
+          <p:cNvPr id="3" name="Espace réservé du numéro de diapositive 2">
+            <a:extLst>
+              <a:ext uri="{FF2B5EF4-FFF2-40B4-BE49-F238E27FC236}">
+                <a16:creationId xmlns:a16="http://schemas.microsoft.com/office/drawing/2014/main" id="{06DB51A1-9A5E-4D73-922A-15350636B6E3}"/>
+              </a:ext>
+            </a:extLst>
+          </p:cNvPr>
+          <p:cNvSpPr>
+            <a:spLocks noGrp="1"/>
+          </p:cNvSpPr>
+          <p:nvPr>
+            <p:ph type="sldNum" sz="quarter" idx="12"/>
+          </p:nvPr>
+        </p:nvSpPr>
+        <p:spPr/>
+        <p:txBody>
+          <a:bodyPr/>
+          <a:lstStyle/>
+          <a:p>
+            <a:fld id="{69E57DC2-970A-4B3E-BB1C-7A09969E49DF}" type="slidenum">
+              <a:rPr lang="en-US" smtClean="0"/>
+              <a:t>25</a:t>
+            </a:fld>
+            <a:endParaRPr lang="en-US" dirty="0"/>
           </a:p>
         </p:txBody>
       </p:sp>
@@ -13002,9 +13676,50 @@
               <a:buNone/>
             </a:pPr>
             <a:r>
+              <a:rPr lang="en-US" sz="2800" b="1" dirty="0" err="1"/>
+              <a:t>Fonction</a:t>
+            </a:r>
+            <a:r>
               <a:rPr lang="en-US" sz="2800" b="1" dirty="0"/>
-              <a:t>Radial basis function network (RBF naïf)</a:t>
-            </a:r>
+              <a:t> de base </a:t>
+            </a:r>
+            <a:r>
+              <a:rPr lang="en-US" sz="2800" b="1" dirty="0" err="1"/>
+              <a:t>radiale</a:t>
+            </a:r>
+            <a:r>
+              <a:rPr lang="en-US" sz="2800" b="1" dirty="0"/>
+              <a:t> (RBF naïf)</a:t>
+            </a:r>
+          </a:p>
+        </p:txBody>
+      </p:sp>
+      <p:sp>
+        <p:nvSpPr>
+          <p:cNvPr id="3" name="Espace réservé du numéro de diapositive 2">
+            <a:extLst>
+              <a:ext uri="{FF2B5EF4-FFF2-40B4-BE49-F238E27FC236}">
+                <a16:creationId xmlns:a16="http://schemas.microsoft.com/office/drawing/2014/main" id="{2A8E11EE-5397-4F2B-9CC7-70B806BF47E4}"/>
+              </a:ext>
+            </a:extLst>
+          </p:cNvPr>
+          <p:cNvSpPr>
+            <a:spLocks noGrp="1"/>
+          </p:cNvSpPr>
+          <p:nvPr>
+            <p:ph type="sldNum" sz="quarter" idx="12"/>
+          </p:nvPr>
+        </p:nvSpPr>
+        <p:spPr/>
+        <p:txBody>
+          <a:bodyPr/>
+          <a:lstStyle/>
+          <a:p>
+            <a:fld id="{69E57DC2-970A-4B3E-BB1C-7A09969E49DF}" type="slidenum">
+              <a:rPr lang="en-US" smtClean="0"/>
+              <a:t>26</a:t>
+            </a:fld>
+            <a:endParaRPr lang="en-US" dirty="0"/>
           </a:p>
         </p:txBody>
       </p:sp>
@@ -13296,8 +14011,20 @@
               <a:buNone/>
             </a:pPr>
             <a:r>
+              <a:rPr lang="en-US" sz="2800" b="1" dirty="0" err="1"/>
+              <a:t>Fonction</a:t>
+            </a:r>
+            <a:r>
               <a:rPr lang="en-US" sz="2800" b="1" dirty="0"/>
-              <a:t>Radial basis function network (RBF naïf)</a:t>
+              <a:t> de base </a:t>
+            </a:r>
+            <a:r>
+              <a:rPr lang="en-US" sz="2800" b="1" dirty="0" err="1"/>
+              <a:t>radiale</a:t>
+            </a:r>
+            <a:r>
+              <a:rPr lang="en-US" sz="2800" b="1" dirty="0"/>
+              <a:t> (RBF naïf)</a:t>
             </a:r>
           </a:p>
         </p:txBody>
@@ -13544,7 +14271,7 @@
             <a:pPr lvl="1"/>
             <a:r>
               <a:rPr lang="fr-FR" sz="2400" i="0" dirty="0"/>
-              <a:t>Ajouté le sign pour la classification</a:t>
+              <a:t>Ajouter le sinus pour la classification</a:t>
             </a:r>
           </a:p>
           <a:p>
@@ -13592,6 +14319,35 @@
           </a:prstGeom>
         </p:spPr>
       </p:pic>
+      <p:sp>
+        <p:nvSpPr>
+          <p:cNvPr id="4" name="Espace réservé du numéro de diapositive 3">
+            <a:extLst>
+              <a:ext uri="{FF2B5EF4-FFF2-40B4-BE49-F238E27FC236}">
+                <a16:creationId xmlns:a16="http://schemas.microsoft.com/office/drawing/2014/main" id="{FB8966A7-49AF-4545-82EA-D566A4F921D2}"/>
+              </a:ext>
+            </a:extLst>
+          </p:cNvPr>
+          <p:cNvSpPr>
+            <a:spLocks noGrp="1"/>
+          </p:cNvSpPr>
+          <p:nvPr>
+            <p:ph type="sldNum" sz="quarter" idx="12"/>
+          </p:nvPr>
+        </p:nvSpPr>
+        <p:spPr/>
+        <p:txBody>
+          <a:bodyPr/>
+          <a:lstStyle/>
+          <a:p>
+            <a:fld id="{69E57DC2-970A-4B3E-BB1C-7A09969E49DF}" type="slidenum">
+              <a:rPr lang="en-US" smtClean="0"/>
+              <a:t>27</a:t>
+            </a:fld>
+            <a:endParaRPr lang="en-US" dirty="0"/>
+          </a:p>
+        </p:txBody>
+      </p:sp>
     </p:spTree>
     <p:extLst>
       <p:ext uri="{BB962C8B-B14F-4D97-AF65-F5344CB8AC3E}">
@@ -13880,8 +14636,20 @@
               <a:buNone/>
             </a:pPr>
             <a:r>
+              <a:rPr lang="en-US" sz="2800" b="1" dirty="0" err="1"/>
+              <a:t>Fonction</a:t>
+            </a:r>
+            <a:r>
               <a:rPr lang="en-US" sz="2800" b="1" dirty="0"/>
-              <a:t>Radial basis function network (RBF naïf)</a:t>
+              <a:t> de base </a:t>
+            </a:r>
+            <a:r>
+              <a:rPr lang="en-US" sz="2800" b="1" dirty="0" err="1"/>
+              <a:t>radiale</a:t>
+            </a:r>
+            <a:r>
+              <a:rPr lang="en-US" sz="2800" b="1" dirty="0"/>
+              <a:t> (RBF naïf)</a:t>
             </a:r>
           </a:p>
         </p:txBody>
@@ -14128,7 +14896,7 @@
             <a:pPr lvl="1"/>
             <a:r>
               <a:rPr lang="fr-FR" sz="2400" i="0" dirty="0"/>
-              <a:t>Ajouté le sign pour la classification</a:t>
+              <a:t>Ajouter le signe pour la classification</a:t>
             </a:r>
           </a:p>
           <a:p>
@@ -14198,14 +14966,43 @@
         </p:blipFill>
         <p:spPr>
           <a:xfrm>
-            <a:off x="4030168" y="1451244"/>
-            <a:ext cx="4131663" cy="3634412"/>
+            <a:off x="3782876" y="1167618"/>
+            <a:ext cx="5161456" cy="4540268"/>
           </a:xfrm>
           <a:prstGeom prst="rect">
             <a:avLst/>
           </a:prstGeom>
         </p:spPr>
       </p:pic>
+      <p:sp>
+        <p:nvSpPr>
+          <p:cNvPr id="4" name="Espace réservé du numéro de diapositive 3">
+            <a:extLst>
+              <a:ext uri="{FF2B5EF4-FFF2-40B4-BE49-F238E27FC236}">
+                <a16:creationId xmlns:a16="http://schemas.microsoft.com/office/drawing/2014/main" id="{56A896DD-14FA-43B1-91C8-CE4EAAA52EF1}"/>
+              </a:ext>
+            </a:extLst>
+          </p:cNvPr>
+          <p:cNvSpPr>
+            <a:spLocks noGrp="1"/>
+          </p:cNvSpPr>
+          <p:nvPr>
+            <p:ph type="sldNum" sz="quarter" idx="12"/>
+          </p:nvPr>
+        </p:nvSpPr>
+        <p:spPr/>
+        <p:txBody>
+          <a:bodyPr/>
+          <a:lstStyle/>
+          <a:p>
+            <a:fld id="{69E57DC2-970A-4B3E-BB1C-7A09969E49DF}" type="slidenum">
+              <a:rPr lang="en-US" smtClean="0"/>
+              <a:t>28</a:t>
+            </a:fld>
+            <a:endParaRPr lang="en-US" dirty="0"/>
+          </a:p>
+        </p:txBody>
+      </p:sp>
     </p:spTree>
     <p:extLst>
       <p:ext uri="{BB962C8B-B14F-4D97-AF65-F5344CB8AC3E}">
@@ -14494,8 +15291,20 @@
               <a:buNone/>
             </a:pPr>
             <a:r>
+              <a:rPr lang="en-US" sz="2800" b="1" dirty="0" err="1"/>
+              <a:t>Fonction</a:t>
+            </a:r>
+            <a:r>
               <a:rPr lang="en-US" sz="2800" b="1" dirty="0"/>
-              <a:t>Radial basis function network (RBF naïf)</a:t>
+              <a:t> de base </a:t>
+            </a:r>
+            <a:r>
+              <a:rPr lang="en-US" sz="2800" b="1" dirty="0" err="1"/>
+              <a:t>radiale</a:t>
+            </a:r>
+            <a:r>
+              <a:rPr lang="en-US" sz="2800" b="1" dirty="0"/>
+              <a:t> (RBF naïf)</a:t>
             </a:r>
           </a:p>
         </p:txBody>
@@ -14774,7 +15583,7 @@
         <p:spPr>
           <a:xfrm>
             <a:off x="6365631" y="2392941"/>
-            <a:ext cx="5997700" cy="2875547"/>
+            <a:ext cx="5912094" cy="2875547"/>
           </a:xfrm>
           <a:prstGeom prst="rect">
             <a:avLst/>
@@ -14992,7 +15801,7 @@
             <a:pPr lvl="1"/>
             <a:r>
               <a:rPr lang="fr-FR" sz="2400" dirty="0"/>
-              <a:t>Prendre des points qui font office de représentant (</a:t>
+              <a:t>Prendre des points qui font office de représentants (</a:t>
             </a:r>
             <a:r>
               <a:rPr lang="fr-FR" i="0" dirty="0"/>
@@ -15002,6 +15811,35 @@
           </a:p>
           <a:p>
             <a:endParaRPr lang="fr-FR" sz="2400" b="1" i="0" dirty="0"/>
+          </a:p>
+        </p:txBody>
+      </p:sp>
+      <p:sp>
+        <p:nvSpPr>
+          <p:cNvPr id="3" name="Espace réservé du numéro de diapositive 2">
+            <a:extLst>
+              <a:ext uri="{FF2B5EF4-FFF2-40B4-BE49-F238E27FC236}">
+                <a16:creationId xmlns:a16="http://schemas.microsoft.com/office/drawing/2014/main" id="{CD2C477B-E270-4192-9577-8418AAA19F72}"/>
+              </a:ext>
+            </a:extLst>
+          </p:cNvPr>
+          <p:cNvSpPr>
+            <a:spLocks noGrp="1"/>
+          </p:cNvSpPr>
+          <p:nvPr>
+            <p:ph type="sldNum" sz="quarter" idx="12"/>
+          </p:nvPr>
+        </p:nvSpPr>
+        <p:spPr/>
+        <p:txBody>
+          <a:bodyPr/>
+          <a:lstStyle/>
+          <a:p>
+            <a:fld id="{69E57DC2-970A-4B3E-BB1C-7A09969E49DF}" type="slidenum">
+              <a:rPr lang="en-US" smtClean="0"/>
+              <a:t>29</a:t>
+            </a:fld>
+            <a:endParaRPr lang="en-US" dirty="0"/>
           </a:p>
         </p:txBody>
       </p:sp>
@@ -15125,6 +15963,36 @@
               <a:rPr lang="fr-FR" b="1" dirty="0"/>
               <a:t>«  haut  »</a:t>
             </a:r>
+          </a:p>
+        </p:txBody>
+      </p:sp>
+      <p:sp>
+        <p:nvSpPr>
+          <p:cNvPr id="4" name="Espace réservé du numéro de diapositive 3">
+            <a:extLst>
+              <a:ext uri="{FF2B5EF4-FFF2-40B4-BE49-F238E27FC236}">
+                <a16:creationId xmlns:a16="http://schemas.microsoft.com/office/drawing/2014/main" id="{838CD899-D79D-4C3E-9C9D-8567B0ACEB8C}"/>
+              </a:ext>
+            </a:extLst>
+          </p:cNvPr>
+          <p:cNvSpPr>
+            <a:spLocks noGrp="1"/>
+          </p:cNvSpPr>
+          <p:nvPr>
+            <p:ph type="sldNum" sz="quarter" idx="12"/>
+          </p:nvPr>
+        </p:nvSpPr>
+        <p:spPr/>
+        <p:txBody>
+          <a:bodyPr/>
+          <a:lstStyle/>
+          <a:p>
+            <a:fld id="{69E57DC2-970A-4B3E-BB1C-7A09969E49DF}" type="slidenum">
+              <a:rPr lang="en-US" smtClean="0"/>
+              <a:pPr/>
+              <a:t>3</a:t>
+            </a:fld>
+            <a:endParaRPr lang="en-US" dirty="0"/>
           </a:p>
         </p:txBody>
       </p:sp>
@@ -15218,7 +16086,7 @@
         </p:spPr>
         <p:txBody>
           <a:bodyPr vert="horz" lIns="91440" tIns="45720" rIns="91440" bIns="45720" rtlCol="0">
-            <a:normAutofit fontScale="92500"/>
+            <a:normAutofit/>
           </a:bodyPr>
           <a:lstStyle>
             <a:lvl1pPr marL="384048" indent="-384048" algn="l" defTabSz="914400" rtl="0" eaLnBrk="1" latinLnBrk="0" hangingPunct="1">
@@ -15416,8 +16284,20 @@
               <a:buNone/>
             </a:pPr>
             <a:r>
+              <a:rPr lang="en-US" sz="2800" b="1" dirty="0" err="1"/>
+              <a:t>Fonction</a:t>
+            </a:r>
+            <a:r>
               <a:rPr lang="en-US" sz="2800" b="1" dirty="0"/>
-              <a:t>Radial basis function network (RBF + K-means)</a:t>
+              <a:t> de base </a:t>
+            </a:r>
+            <a:r>
+              <a:rPr lang="en-US" sz="2800" b="1" dirty="0" err="1"/>
+              <a:t>radiale</a:t>
+            </a:r>
+            <a:r>
+              <a:rPr lang="en-US" sz="2800" b="1" dirty="0"/>
+              <a:t> (RBF + K-means)</a:t>
             </a:r>
           </a:p>
         </p:txBody>
@@ -15962,14 +16842,14 @@
             <a:pPr lvl="1"/>
             <a:r>
               <a:rPr lang="fr-FR" sz="2400" dirty="0"/>
-              <a:t>Attribuer à chaque exemple sont représentant le plus proche</a:t>
+              <a:t>Attribuer à chaque exemple son représentant le plus proche</a:t>
             </a:r>
           </a:p>
           <a:p>
             <a:pPr lvl="1"/>
             <a:r>
               <a:rPr lang="fr-FR" sz="2400" dirty="0"/>
-              <a:t>On recalcule les coordonnées des nos représentants avec la moyenne des coordonnées des exemple appartenant au cluster</a:t>
+              <a:t>On recalcule les coordonnées des nos représentants avec la moyenne des coordonnées des exemples appartenant au cluster</a:t>
             </a:r>
           </a:p>
           <a:p>
@@ -15981,7 +16861,7 @@
           <a:p>
             <a:r>
               <a:rPr lang="fr-FR" sz="2400" dirty="0"/>
-              <a:t>Utilisation de la règle de Rosenblatt ou la pseudo inverse en utilisant les représentant</a:t>
+              <a:t>Utilisation de la règle de Rosenblatt ou la pseudo inverse en utilisant les représentants</a:t>
             </a:r>
           </a:p>
           <a:p>
@@ -16001,6 +16881,35 @@
           </a:p>
           <a:p>
             <a:endParaRPr lang="fr-FR" sz="2400" b="1" i="0" dirty="0"/>
+          </a:p>
+        </p:txBody>
+      </p:sp>
+      <p:sp>
+        <p:nvSpPr>
+          <p:cNvPr id="3" name="Espace réservé du numéro de diapositive 2">
+            <a:extLst>
+              <a:ext uri="{FF2B5EF4-FFF2-40B4-BE49-F238E27FC236}">
+                <a16:creationId xmlns:a16="http://schemas.microsoft.com/office/drawing/2014/main" id="{F19BDC90-9A08-48FD-AA94-7422B7F5914E}"/>
+              </a:ext>
+            </a:extLst>
+          </p:cNvPr>
+          <p:cNvSpPr>
+            <a:spLocks noGrp="1"/>
+          </p:cNvSpPr>
+          <p:nvPr>
+            <p:ph type="sldNum" sz="quarter" idx="12"/>
+          </p:nvPr>
+        </p:nvSpPr>
+        <p:spPr/>
+        <p:txBody>
+          <a:bodyPr/>
+          <a:lstStyle/>
+          <a:p>
+            <a:fld id="{69E57DC2-970A-4B3E-BB1C-7A09969E49DF}" type="slidenum">
+              <a:rPr lang="en-US" smtClean="0"/>
+              <a:t>30</a:t>
+            </a:fld>
+            <a:endParaRPr lang="en-US" dirty="0"/>
           </a:p>
         </p:txBody>
       </p:sp>
@@ -16088,6 +16997,36 @@
           </a:p>
         </p:txBody>
       </p:sp>
+      <p:sp>
+        <p:nvSpPr>
+          <p:cNvPr id="2" name="Espace réservé du numéro de diapositive 1">
+            <a:extLst>
+              <a:ext uri="{FF2B5EF4-FFF2-40B4-BE49-F238E27FC236}">
+                <a16:creationId xmlns:a16="http://schemas.microsoft.com/office/drawing/2014/main" id="{1EE7DC7F-0936-406B-AE18-55E484605C44}"/>
+              </a:ext>
+            </a:extLst>
+          </p:cNvPr>
+          <p:cNvSpPr>
+            <a:spLocks noGrp="1"/>
+          </p:cNvSpPr>
+          <p:nvPr>
+            <p:ph type="sldNum" sz="quarter" idx="12"/>
+          </p:nvPr>
+        </p:nvSpPr>
+        <p:spPr/>
+        <p:txBody>
+          <a:bodyPr/>
+          <a:lstStyle/>
+          <a:p>
+            <a:fld id="{69E57DC2-970A-4B3E-BB1C-7A09969E49DF}" type="slidenum">
+              <a:rPr lang="en-US" smtClean="0"/>
+              <a:pPr/>
+              <a:t>31</a:t>
+            </a:fld>
+            <a:endParaRPr lang="en-US" dirty="0"/>
+          </a:p>
+        </p:txBody>
+      </p:sp>
     </p:spTree>
     <p:extLst>
       <p:ext uri="{BB962C8B-B14F-4D97-AF65-F5344CB8AC3E}">
@@ -16184,7 +17123,7 @@
           <a:p>
             <a:r>
               <a:rPr lang="fr-FR" sz="1900" dirty="0"/>
-              <a:t>Images de vêtement:</a:t>
+              <a:t>Images de vêtements:</a:t>
             </a:r>
           </a:p>
           <a:p>
@@ -16540,7 +17479,7 @@
           <a:p>
             <a:r>
               <a:rPr lang="fr-FR" dirty="0"/>
-              <a:t>Image redimensionner :</a:t>
+              <a:t>Images redimensionnées :</a:t>
             </a:r>
           </a:p>
           <a:p>
@@ -16620,6 +17559,35 @@
           <a:p>
             <a:pPr lvl="2"/>
             <a:endParaRPr lang="fr-FR" sz="1700" dirty="0"/>
+          </a:p>
+        </p:txBody>
+      </p:sp>
+      <p:sp>
+        <p:nvSpPr>
+          <p:cNvPr id="5" name="Espace réservé du numéro de diapositive 4">
+            <a:extLst>
+              <a:ext uri="{FF2B5EF4-FFF2-40B4-BE49-F238E27FC236}">
+                <a16:creationId xmlns:a16="http://schemas.microsoft.com/office/drawing/2014/main" id="{1854C470-EF4F-4B3D-BC10-04ED58FA12CD}"/>
+              </a:ext>
+            </a:extLst>
+          </p:cNvPr>
+          <p:cNvSpPr>
+            <a:spLocks noGrp="1"/>
+          </p:cNvSpPr>
+          <p:nvPr>
+            <p:ph type="sldNum" sz="quarter" idx="12"/>
+          </p:nvPr>
+        </p:nvSpPr>
+        <p:spPr/>
+        <p:txBody>
+          <a:bodyPr/>
+          <a:lstStyle/>
+          <a:p>
+            <a:fld id="{69E57DC2-970A-4B3E-BB1C-7A09969E49DF}" type="slidenum">
+              <a:rPr lang="en-US" smtClean="0"/>
+              <a:t>32</a:t>
+            </a:fld>
+            <a:endParaRPr lang="en-US" dirty="0"/>
           </a:p>
         </p:txBody>
       </p:sp>
@@ -16707,6 +17675,36 @@
           </a:p>
         </p:txBody>
       </p:sp>
+      <p:sp>
+        <p:nvSpPr>
+          <p:cNvPr id="2" name="Espace réservé du numéro de diapositive 1">
+            <a:extLst>
+              <a:ext uri="{FF2B5EF4-FFF2-40B4-BE49-F238E27FC236}">
+                <a16:creationId xmlns:a16="http://schemas.microsoft.com/office/drawing/2014/main" id="{C7984158-7B2D-4AC1-B12C-806C54DBAE33}"/>
+              </a:ext>
+            </a:extLst>
+          </p:cNvPr>
+          <p:cNvSpPr>
+            <a:spLocks noGrp="1"/>
+          </p:cNvSpPr>
+          <p:nvPr>
+            <p:ph type="sldNum" sz="quarter" idx="12"/>
+          </p:nvPr>
+        </p:nvSpPr>
+        <p:spPr/>
+        <p:txBody>
+          <a:bodyPr/>
+          <a:lstStyle/>
+          <a:p>
+            <a:fld id="{69E57DC2-970A-4B3E-BB1C-7A09969E49DF}" type="slidenum">
+              <a:rPr lang="en-US" smtClean="0"/>
+              <a:pPr/>
+              <a:t>33</a:t>
+            </a:fld>
+            <a:endParaRPr lang="en-US" dirty="0"/>
+          </a:p>
+        </p:txBody>
+      </p:sp>
     </p:spTree>
     <p:extLst>
       <p:ext uri="{BB962C8B-B14F-4D97-AF65-F5344CB8AC3E}">
@@ -16994,8 +17992,13 @@
           <a:p>
             <a:r>
               <a:rPr lang="fr-FR" sz="2400" b="1" i="0" dirty="0"/>
-              <a:t>Utilisation de nos dataset</a:t>
-            </a:r>
+              <a:t>Utilisation de nos </a:t>
+            </a:r>
+            <a:r>
+              <a:rPr lang="fr-FR" sz="2400" b="1" i="0" dirty="0" err="1"/>
+              <a:t>datasets</a:t>
+            </a:r>
+            <a:endParaRPr lang="fr-FR" sz="2400" b="1" i="0" dirty="0"/>
           </a:p>
           <a:p>
             <a:pPr lvl="1"/>
@@ -17290,6 +18293,35 @@
               <a:buNone/>
             </a:pPr>
             <a:endParaRPr lang="en-US" sz="2800" b="1" dirty="0"/>
+          </a:p>
+        </p:txBody>
+      </p:sp>
+      <p:sp>
+        <p:nvSpPr>
+          <p:cNvPr id="3" name="Espace réservé du numéro de diapositive 2">
+            <a:extLst>
+              <a:ext uri="{FF2B5EF4-FFF2-40B4-BE49-F238E27FC236}">
+                <a16:creationId xmlns:a16="http://schemas.microsoft.com/office/drawing/2014/main" id="{3A9088AB-702B-411A-AB73-CBB3F5FEFC3D}"/>
+              </a:ext>
+            </a:extLst>
+          </p:cNvPr>
+          <p:cNvSpPr>
+            <a:spLocks noGrp="1"/>
+          </p:cNvSpPr>
+          <p:nvPr>
+            <p:ph type="sldNum" sz="quarter" idx="12"/>
+          </p:nvPr>
+        </p:nvSpPr>
+        <p:spPr/>
+        <p:txBody>
+          <a:bodyPr/>
+          <a:lstStyle/>
+          <a:p>
+            <a:fld id="{69E57DC2-970A-4B3E-BB1C-7A09969E49DF}" type="slidenum">
+              <a:rPr lang="en-US" smtClean="0"/>
+              <a:t>34</a:t>
+            </a:fld>
+            <a:endParaRPr lang="en-US" dirty="0"/>
           </a:p>
         </p:txBody>
       </p:sp>
@@ -17377,6 +18409,36 @@
           </a:p>
         </p:txBody>
       </p:sp>
+      <p:sp>
+        <p:nvSpPr>
+          <p:cNvPr id="2" name="Espace réservé du numéro de diapositive 1">
+            <a:extLst>
+              <a:ext uri="{FF2B5EF4-FFF2-40B4-BE49-F238E27FC236}">
+                <a16:creationId xmlns:a16="http://schemas.microsoft.com/office/drawing/2014/main" id="{DE87569C-C467-4B17-961B-EFC3D4E20996}"/>
+              </a:ext>
+            </a:extLst>
+          </p:cNvPr>
+          <p:cNvSpPr>
+            <a:spLocks noGrp="1"/>
+          </p:cNvSpPr>
+          <p:nvPr>
+            <p:ph type="sldNum" sz="quarter" idx="12"/>
+          </p:nvPr>
+        </p:nvSpPr>
+        <p:spPr/>
+        <p:txBody>
+          <a:bodyPr/>
+          <a:lstStyle/>
+          <a:p>
+            <a:fld id="{69E57DC2-970A-4B3E-BB1C-7A09969E49DF}" type="slidenum">
+              <a:rPr lang="en-US" smtClean="0"/>
+              <a:pPr/>
+              <a:t>35</a:t>
+            </a:fld>
+            <a:endParaRPr lang="en-US" dirty="0"/>
+          </a:p>
+        </p:txBody>
+      </p:sp>
     </p:spTree>
     <p:extLst>
       <p:ext uri="{BB962C8B-B14F-4D97-AF65-F5344CB8AC3E}">
@@ -18131,6 +19193,35 @@
           </a:extLst>
         </p:spPr>
       </p:pic>
+      <p:sp>
+        <p:nvSpPr>
+          <p:cNvPr id="4" name="Espace réservé du numéro de diapositive 3">
+            <a:extLst>
+              <a:ext uri="{FF2B5EF4-FFF2-40B4-BE49-F238E27FC236}">
+                <a16:creationId xmlns:a16="http://schemas.microsoft.com/office/drawing/2014/main" id="{30EADA7A-059F-4761-B476-FBA54B78DACE}"/>
+              </a:ext>
+            </a:extLst>
+          </p:cNvPr>
+          <p:cNvSpPr>
+            <a:spLocks noGrp="1"/>
+          </p:cNvSpPr>
+          <p:nvPr>
+            <p:ph type="sldNum" sz="quarter" idx="12"/>
+          </p:nvPr>
+        </p:nvSpPr>
+        <p:spPr/>
+        <p:txBody>
+          <a:bodyPr/>
+          <a:lstStyle/>
+          <a:p>
+            <a:fld id="{69E57DC2-970A-4B3E-BB1C-7A09969E49DF}" type="slidenum">
+              <a:rPr lang="en-US" smtClean="0"/>
+              <a:t>36</a:t>
+            </a:fld>
+            <a:endParaRPr lang="en-US" dirty="0"/>
+          </a:p>
+        </p:txBody>
+      </p:sp>
     </p:spTree>
     <p:extLst>
       <p:ext uri="{BB962C8B-B14F-4D97-AF65-F5344CB8AC3E}">
@@ -18194,6 +19285,35 @@
               <a:rPr lang="fr-FR" sz="6600" b="1" dirty="0"/>
               <a:t>Démonstration</a:t>
             </a:r>
+          </a:p>
+        </p:txBody>
+      </p:sp>
+      <p:sp>
+        <p:nvSpPr>
+          <p:cNvPr id="3" name="Espace réservé du numéro de diapositive 2">
+            <a:extLst>
+              <a:ext uri="{FF2B5EF4-FFF2-40B4-BE49-F238E27FC236}">
+                <a16:creationId xmlns:a16="http://schemas.microsoft.com/office/drawing/2014/main" id="{5611FFBC-51BA-4942-8512-02A1C437C5B5}"/>
+              </a:ext>
+            </a:extLst>
+          </p:cNvPr>
+          <p:cNvSpPr>
+            <a:spLocks noGrp="1"/>
+          </p:cNvSpPr>
+          <p:nvPr>
+            <p:ph type="sldNum" sz="quarter" idx="12"/>
+          </p:nvPr>
+        </p:nvSpPr>
+        <p:spPr/>
+        <p:txBody>
+          <a:bodyPr/>
+          <a:lstStyle/>
+          <a:p>
+            <a:fld id="{69E57DC2-970A-4B3E-BB1C-7A09969E49DF}" type="slidenum">
+              <a:rPr lang="en-US" smtClean="0"/>
+              <a:t>37</a:t>
+            </a:fld>
+            <a:endParaRPr lang="en-US" dirty="0"/>
           </a:p>
         </p:txBody>
       </p:sp>
@@ -18281,6 +19401,36 @@
           </a:p>
         </p:txBody>
       </p:sp>
+      <p:sp>
+        <p:nvSpPr>
+          <p:cNvPr id="2" name="Espace réservé du numéro de diapositive 1">
+            <a:extLst>
+              <a:ext uri="{FF2B5EF4-FFF2-40B4-BE49-F238E27FC236}">
+                <a16:creationId xmlns:a16="http://schemas.microsoft.com/office/drawing/2014/main" id="{1C5DEB96-3D47-4FB3-A832-D1B946BE692C}"/>
+              </a:ext>
+            </a:extLst>
+          </p:cNvPr>
+          <p:cNvSpPr>
+            <a:spLocks noGrp="1"/>
+          </p:cNvSpPr>
+          <p:nvPr>
+            <p:ph type="sldNum" sz="quarter" idx="12"/>
+          </p:nvPr>
+        </p:nvSpPr>
+        <p:spPr/>
+        <p:txBody>
+          <a:bodyPr/>
+          <a:lstStyle/>
+          <a:p>
+            <a:fld id="{69E57DC2-970A-4B3E-BB1C-7A09969E49DF}" type="slidenum">
+              <a:rPr lang="en-US" smtClean="0"/>
+              <a:pPr/>
+              <a:t>38</a:t>
+            </a:fld>
+            <a:endParaRPr lang="en-US" dirty="0"/>
+          </a:p>
+        </p:txBody>
+      </p:sp>
     </p:spTree>
     <p:extLst>
       <p:ext uri="{BB962C8B-B14F-4D97-AF65-F5344CB8AC3E}">
@@ -18567,7 +19717,7 @@
           <a:p>
             <a:r>
               <a:rPr lang="fr-FR" sz="2400" b="1" i="0" dirty="0"/>
-              <a:t>Avantage</a:t>
+              <a:t>Avantages</a:t>
             </a:r>
           </a:p>
           <a:p>
@@ -19004,7 +20154,7 @@
         </p:spPr>
         <p:txBody>
           <a:bodyPr vert="horz" lIns="91440" tIns="45720" rIns="91440" bIns="45720" rtlCol="0">
-            <a:normAutofit fontScale="77500" lnSpcReduction="20000"/>
+            <a:normAutofit fontScale="70000" lnSpcReduction="20000"/>
           </a:bodyPr>
           <a:lstStyle>
             <a:lvl1pPr marL="384048" indent="-384048" algn="l" defTabSz="914400" rtl="0" eaLnBrk="1" latinLnBrk="0" hangingPunct="1">
@@ -19199,8 +20349,8 @@
           </a:lstStyle>
           <a:p>
             <a:r>
-              <a:rPr lang="fr-FR" sz="2400" b="1" i="0" dirty="0"/>
-              <a:t>Avantage</a:t>
+              <a:rPr lang="fr-FR" sz="3100" b="1" i="0" dirty="0"/>
+              <a:t>Avantages</a:t>
             </a:r>
           </a:p>
           <a:p>
@@ -19255,8 +20405,8 @@
           </a:p>
           <a:p>
             <a:r>
-              <a:rPr lang="fr-FR" sz="2400" b="1" i="0" dirty="0"/>
-              <a:t>Inconvénient </a:t>
+              <a:rPr lang="fr-FR" sz="3400" b="1" i="0" dirty="0"/>
+              <a:t>Inconvénients</a:t>
             </a:r>
           </a:p>
           <a:p>
@@ -19269,8 +20419,12 @@
           <a:p>
             <a:pPr lvl="1"/>
             <a:r>
+              <a:rPr lang="fr-FR" sz="2500" i="0" dirty="0" err="1"/>
+              <a:t>ROCm</a:t>
+            </a:r>
+            <a:r>
               <a:rPr lang="fr-FR" sz="2500" i="0" dirty="0"/>
-              <a:t>ROCm pas encore bien intégré à tf</a:t>
+              <a:t> (AMD) pas encore bien intégré à tf</a:t>
             </a:r>
           </a:p>
           <a:p>
@@ -19412,6 +20566,35 @@
           </a:prstGeom>
         </p:spPr>
       </p:pic>
+      <p:sp>
+        <p:nvSpPr>
+          <p:cNvPr id="3" name="Espace réservé du numéro de diapositive 2">
+            <a:extLst>
+              <a:ext uri="{FF2B5EF4-FFF2-40B4-BE49-F238E27FC236}">
+                <a16:creationId xmlns:a16="http://schemas.microsoft.com/office/drawing/2014/main" id="{90796F60-9F47-49C3-83F7-778A8AEA5EFC}"/>
+              </a:ext>
+            </a:extLst>
+          </p:cNvPr>
+          <p:cNvSpPr>
+            <a:spLocks noGrp="1"/>
+          </p:cNvSpPr>
+          <p:nvPr>
+            <p:ph type="sldNum" sz="quarter" idx="12"/>
+          </p:nvPr>
+        </p:nvSpPr>
+        <p:spPr/>
+        <p:txBody>
+          <a:bodyPr/>
+          <a:lstStyle/>
+          <a:p>
+            <a:fld id="{69E57DC2-970A-4B3E-BB1C-7A09969E49DF}" type="slidenum">
+              <a:rPr lang="en-US" smtClean="0"/>
+              <a:t>39</a:t>
+            </a:fld>
+            <a:endParaRPr lang="en-US" dirty="0"/>
+          </a:p>
+        </p:txBody>
+      </p:sp>
     </p:spTree>
     <p:extLst>
       <p:ext uri="{BB962C8B-B14F-4D97-AF65-F5344CB8AC3E}">
@@ -19500,6 +20683,36 @@
           </a:p>
         </p:txBody>
       </p:sp>
+      <p:sp>
+        <p:nvSpPr>
+          <p:cNvPr id="2" name="Espace réservé du numéro de diapositive 1">
+            <a:extLst>
+              <a:ext uri="{FF2B5EF4-FFF2-40B4-BE49-F238E27FC236}">
+                <a16:creationId xmlns:a16="http://schemas.microsoft.com/office/drawing/2014/main" id="{CACCF2DE-2576-4114-994A-CB1F2F0C4704}"/>
+              </a:ext>
+            </a:extLst>
+          </p:cNvPr>
+          <p:cNvSpPr>
+            <a:spLocks noGrp="1"/>
+          </p:cNvSpPr>
+          <p:nvPr>
+            <p:ph type="sldNum" sz="quarter" idx="12"/>
+          </p:nvPr>
+        </p:nvSpPr>
+        <p:spPr/>
+        <p:txBody>
+          <a:bodyPr/>
+          <a:lstStyle/>
+          <a:p>
+            <a:fld id="{69E57DC2-970A-4B3E-BB1C-7A09969E49DF}" type="slidenum">
+              <a:rPr lang="en-US" smtClean="0"/>
+              <a:pPr/>
+              <a:t>4</a:t>
+            </a:fld>
+            <a:endParaRPr lang="en-US" dirty="0"/>
+          </a:p>
+        </p:txBody>
+      </p:sp>
     </p:spTree>
     <p:extLst>
       <p:ext uri="{BB962C8B-B14F-4D97-AF65-F5344CB8AC3E}">
@@ -19563,6 +20776,35 @@
               <a:rPr lang="fr-FR" sz="6600" b="1" dirty="0"/>
               <a:t>Démonstration</a:t>
             </a:r>
+          </a:p>
+        </p:txBody>
+      </p:sp>
+      <p:sp>
+        <p:nvSpPr>
+          <p:cNvPr id="3" name="Espace réservé du numéro de diapositive 2">
+            <a:extLst>
+              <a:ext uri="{FF2B5EF4-FFF2-40B4-BE49-F238E27FC236}">
+                <a16:creationId xmlns:a16="http://schemas.microsoft.com/office/drawing/2014/main" id="{C2CA8033-189D-471C-B4B9-1B91D08F540D}"/>
+              </a:ext>
+            </a:extLst>
+          </p:cNvPr>
+          <p:cNvSpPr>
+            <a:spLocks noGrp="1"/>
+          </p:cNvSpPr>
+          <p:nvPr>
+            <p:ph type="sldNum" sz="quarter" idx="12"/>
+          </p:nvPr>
+        </p:nvSpPr>
+        <p:spPr/>
+        <p:txBody>
+          <a:bodyPr/>
+          <a:lstStyle/>
+          <a:p>
+            <a:fld id="{69E57DC2-970A-4B3E-BB1C-7A09969E49DF}" type="slidenum">
+              <a:rPr lang="en-US" smtClean="0"/>
+              <a:t>40</a:t>
+            </a:fld>
+            <a:endParaRPr lang="en-US" dirty="0"/>
           </a:p>
         </p:txBody>
       </p:sp>
@@ -20118,6 +21360,35 @@
           </a:p>
           <a:p>
             <a:endParaRPr lang="fr-FR" sz="2400" b="1" i="0" dirty="0"/>
+          </a:p>
+        </p:txBody>
+      </p:sp>
+      <p:sp>
+        <p:nvSpPr>
+          <p:cNvPr id="3" name="Espace réservé du numéro de diapositive 2">
+            <a:extLst>
+              <a:ext uri="{FF2B5EF4-FFF2-40B4-BE49-F238E27FC236}">
+                <a16:creationId xmlns:a16="http://schemas.microsoft.com/office/drawing/2014/main" id="{CD9D7DA8-8C62-45D4-9D47-8CAF022FFF8B}"/>
+              </a:ext>
+            </a:extLst>
+          </p:cNvPr>
+          <p:cNvSpPr>
+            <a:spLocks noGrp="1"/>
+          </p:cNvSpPr>
+          <p:nvPr>
+            <p:ph type="sldNum" sz="quarter" idx="12"/>
+          </p:nvPr>
+        </p:nvSpPr>
+        <p:spPr/>
+        <p:txBody>
+          <a:bodyPr/>
+          <a:lstStyle/>
+          <a:p>
+            <a:fld id="{69E57DC2-970A-4B3E-BB1C-7A09969E49DF}" type="slidenum">
+              <a:rPr lang="en-US" smtClean="0"/>
+              <a:t>41</a:t>
+            </a:fld>
+            <a:endParaRPr lang="en-US" dirty="0"/>
           </a:p>
         </p:txBody>
       </p:sp>
@@ -20205,6 +21476,36 @@
           </a:p>
         </p:txBody>
       </p:sp>
+      <p:sp>
+        <p:nvSpPr>
+          <p:cNvPr id="2" name="Espace réservé du numéro de diapositive 1">
+            <a:extLst>
+              <a:ext uri="{FF2B5EF4-FFF2-40B4-BE49-F238E27FC236}">
+                <a16:creationId xmlns:a16="http://schemas.microsoft.com/office/drawing/2014/main" id="{ED0A917B-D4F8-40BB-939D-54EB110337FC}"/>
+              </a:ext>
+            </a:extLst>
+          </p:cNvPr>
+          <p:cNvSpPr>
+            <a:spLocks noGrp="1"/>
+          </p:cNvSpPr>
+          <p:nvPr>
+            <p:ph type="sldNum" sz="quarter" idx="12"/>
+          </p:nvPr>
+        </p:nvSpPr>
+        <p:spPr/>
+        <p:txBody>
+          <a:bodyPr/>
+          <a:lstStyle/>
+          <a:p>
+            <a:fld id="{69E57DC2-970A-4B3E-BB1C-7A09969E49DF}" type="slidenum">
+              <a:rPr lang="en-US" smtClean="0"/>
+              <a:pPr/>
+              <a:t>42</a:t>
+            </a:fld>
+            <a:endParaRPr lang="en-US" dirty="0"/>
+          </a:p>
+        </p:txBody>
+      </p:sp>
     </p:spTree>
     <p:extLst>
       <p:ext uri="{BB962C8B-B14F-4D97-AF65-F5344CB8AC3E}">
@@ -20942,6 +22243,35 @@
           </a:extLst>
         </p:spPr>
       </p:pic>
+      <p:sp>
+        <p:nvSpPr>
+          <p:cNvPr id="4" name="Espace réservé du numéro de diapositive 3">
+            <a:extLst>
+              <a:ext uri="{FF2B5EF4-FFF2-40B4-BE49-F238E27FC236}">
+                <a16:creationId xmlns:a16="http://schemas.microsoft.com/office/drawing/2014/main" id="{93848745-A120-4B83-977F-4C45E1D3B647}"/>
+              </a:ext>
+            </a:extLst>
+          </p:cNvPr>
+          <p:cNvSpPr>
+            <a:spLocks noGrp="1"/>
+          </p:cNvSpPr>
+          <p:nvPr>
+            <p:ph type="sldNum" sz="quarter" idx="12"/>
+          </p:nvPr>
+        </p:nvSpPr>
+        <p:spPr/>
+        <p:txBody>
+          <a:bodyPr/>
+          <a:lstStyle/>
+          <a:p>
+            <a:fld id="{69E57DC2-970A-4B3E-BB1C-7A09969E49DF}" type="slidenum">
+              <a:rPr lang="en-US" smtClean="0"/>
+              <a:t>5</a:t>
+            </a:fld>
+            <a:endParaRPr lang="en-US" dirty="0"/>
+          </a:p>
+        </p:txBody>
+      </p:sp>
     </p:spTree>
     <p:extLst>
       <p:ext uri="{BB962C8B-B14F-4D97-AF65-F5344CB8AC3E}">
@@ -21026,6 +22356,36 @@
           </a:p>
         </p:txBody>
       </p:sp>
+      <p:sp>
+        <p:nvSpPr>
+          <p:cNvPr id="2" name="Espace réservé du numéro de diapositive 1">
+            <a:extLst>
+              <a:ext uri="{FF2B5EF4-FFF2-40B4-BE49-F238E27FC236}">
+                <a16:creationId xmlns:a16="http://schemas.microsoft.com/office/drawing/2014/main" id="{BE2B5D63-50A6-4383-BAB8-D3E2D9B83B3F}"/>
+              </a:ext>
+            </a:extLst>
+          </p:cNvPr>
+          <p:cNvSpPr>
+            <a:spLocks noGrp="1"/>
+          </p:cNvSpPr>
+          <p:nvPr>
+            <p:ph type="sldNum" sz="quarter" idx="12"/>
+          </p:nvPr>
+        </p:nvSpPr>
+        <p:spPr/>
+        <p:txBody>
+          <a:bodyPr/>
+          <a:lstStyle/>
+          <a:p>
+            <a:fld id="{69E57DC2-970A-4B3E-BB1C-7A09969E49DF}" type="slidenum">
+              <a:rPr lang="en-US" smtClean="0"/>
+              <a:pPr/>
+              <a:t>6</a:t>
+            </a:fld>
+            <a:endParaRPr lang="en-US" dirty="0"/>
+          </a:p>
+        </p:txBody>
+      </p:sp>
     </p:spTree>
     <p:extLst>
       <p:ext uri="{BB962C8B-B14F-4D97-AF65-F5344CB8AC3E}">
@@ -21109,7 +22469,7 @@
         </p:nvSpPr>
         <p:spPr>
           <a:xfrm>
-            <a:off x="2879569" y="1510670"/>
+            <a:off x="2879569" y="1520195"/>
             <a:ext cx="6432861" cy="4172678"/>
           </a:xfrm>
         </p:spPr>
@@ -21151,7 +22511,7 @@
             <a:pPr lvl="1"/>
             <a:r>
               <a:rPr lang="fr-FR" sz="1900" dirty="0"/>
-              <a:t>Complexité élevées</a:t>
+              <a:t>Complexités élevées</a:t>
             </a:r>
           </a:p>
           <a:p>
@@ -21169,6 +22529,35 @@
               <a:rPr lang="fr-FR" sz="1900" dirty="0"/>
               <a:t>Généralisation </a:t>
             </a:r>
+          </a:p>
+        </p:txBody>
+      </p:sp>
+      <p:sp>
+        <p:nvSpPr>
+          <p:cNvPr id="4" name="Espace réservé du numéro de diapositive 3">
+            <a:extLst>
+              <a:ext uri="{FF2B5EF4-FFF2-40B4-BE49-F238E27FC236}">
+                <a16:creationId xmlns:a16="http://schemas.microsoft.com/office/drawing/2014/main" id="{943B93D5-2328-47A0-8333-37423342179D}"/>
+              </a:ext>
+            </a:extLst>
+          </p:cNvPr>
+          <p:cNvSpPr>
+            <a:spLocks noGrp="1"/>
+          </p:cNvSpPr>
+          <p:nvPr>
+            <p:ph type="sldNum" sz="quarter" idx="12"/>
+          </p:nvPr>
+        </p:nvSpPr>
+        <p:spPr/>
+        <p:txBody>
+          <a:bodyPr/>
+          <a:lstStyle/>
+          <a:p>
+            <a:fld id="{69E57DC2-970A-4B3E-BB1C-7A09969E49DF}" type="slidenum">
+              <a:rPr lang="en-US" smtClean="0"/>
+              <a:t>7</a:t>
+            </a:fld>
+            <a:endParaRPr lang="en-US" dirty="0"/>
           </a:p>
         </p:txBody>
       </p:sp>
@@ -21297,7 +22686,7 @@
             <a:pPr lvl="1"/>
             <a:r>
               <a:rPr lang="fr-FR" sz="1900" dirty="0"/>
-              <a:t>Complexité élevées</a:t>
+              <a:t>Complexités élevées</a:t>
             </a:r>
           </a:p>
           <a:p>
@@ -21504,6 +22893,35 @@
           </a:prstGeom>
         </p:spPr>
       </p:pic>
+      <p:sp>
+        <p:nvSpPr>
+          <p:cNvPr id="10" name="Espace réservé du numéro de diapositive 9">
+            <a:extLst>
+              <a:ext uri="{FF2B5EF4-FFF2-40B4-BE49-F238E27FC236}">
+                <a16:creationId xmlns:a16="http://schemas.microsoft.com/office/drawing/2014/main" id="{32FD67F7-D88A-43D2-BEE6-3908C90BF8FF}"/>
+              </a:ext>
+            </a:extLst>
+          </p:cNvPr>
+          <p:cNvSpPr>
+            <a:spLocks noGrp="1"/>
+          </p:cNvSpPr>
+          <p:nvPr>
+            <p:ph type="sldNum" sz="quarter" idx="12"/>
+          </p:nvPr>
+        </p:nvSpPr>
+        <p:spPr/>
+        <p:txBody>
+          <a:bodyPr/>
+          <a:lstStyle/>
+          <a:p>
+            <a:fld id="{69E57DC2-970A-4B3E-BB1C-7A09969E49DF}" type="slidenum">
+              <a:rPr lang="en-US" smtClean="0"/>
+              <a:t>8</a:t>
+            </a:fld>
+            <a:endParaRPr lang="en-US" dirty="0"/>
+          </a:p>
+        </p:txBody>
+      </p:sp>
     </p:spTree>
     <p:extLst>
       <p:ext uri="{BB962C8B-B14F-4D97-AF65-F5344CB8AC3E}">
@@ -22089,6 +23507,35 @@
               <a:rPr lang="fr-FR" sz="2400" dirty="0"/>
               <a:t>Machine learning :</a:t>
             </a:r>
+          </a:p>
+        </p:txBody>
+      </p:sp>
+      <p:sp>
+        <p:nvSpPr>
+          <p:cNvPr id="6" name="Espace réservé du numéro de diapositive 5">
+            <a:extLst>
+              <a:ext uri="{FF2B5EF4-FFF2-40B4-BE49-F238E27FC236}">
+                <a16:creationId xmlns:a16="http://schemas.microsoft.com/office/drawing/2014/main" id="{4C5B321B-7D5D-4057-B950-484438EDEFE7}"/>
+              </a:ext>
+            </a:extLst>
+          </p:cNvPr>
+          <p:cNvSpPr>
+            <a:spLocks noGrp="1"/>
+          </p:cNvSpPr>
+          <p:nvPr>
+            <p:ph type="sldNum" sz="quarter" idx="12"/>
+          </p:nvPr>
+        </p:nvSpPr>
+        <p:spPr/>
+        <p:txBody>
+          <a:bodyPr/>
+          <a:lstStyle/>
+          <a:p>
+            <a:fld id="{69E57DC2-970A-4B3E-BB1C-7A09969E49DF}" type="slidenum">
+              <a:rPr lang="en-US" smtClean="0"/>
+              <a:t>9</a:t>
+            </a:fld>
+            <a:endParaRPr lang="en-US" dirty="0"/>
           </a:p>
         </p:txBody>
       </p:sp>
@@ -22361,4 +23808,299 @@
     </a:ext>
   </a:extLst>
 </a:theme>
+</file>
+
+<file path=ppt/theme/theme2.xml><?xml version="1.0" encoding="utf-8"?>
+<a:theme xmlns:a="http://schemas.openxmlformats.org/drawingml/2006/main" name="Thème Office">
+  <a:themeElements>
+    <a:clrScheme name="Office">
+      <a:dk1>
+        <a:sysClr val="windowText" lastClr="000000"/>
+      </a:dk1>
+      <a:lt1>
+        <a:sysClr val="window" lastClr="FFFFFF"/>
+      </a:lt1>
+      <a:dk2>
+        <a:srgbClr val="44546A"/>
+      </a:dk2>
+      <a:lt2>
+        <a:srgbClr val="E7E6E6"/>
+      </a:lt2>
+      <a:accent1>
+        <a:srgbClr val="4472C4"/>
+      </a:accent1>
+      <a:accent2>
+        <a:srgbClr val="ED7D31"/>
+      </a:accent2>
+      <a:accent3>
+        <a:srgbClr val="A5A5A5"/>
+      </a:accent3>
+      <a:accent4>
+        <a:srgbClr val="FFC000"/>
+      </a:accent4>
+      <a:accent5>
+        <a:srgbClr val="5B9BD5"/>
+      </a:accent5>
+      <a:accent6>
+        <a:srgbClr val="70AD47"/>
+      </a:accent6>
+      <a:hlink>
+        <a:srgbClr val="0563C1"/>
+      </a:hlink>
+      <a:folHlink>
+        <a:srgbClr val="954F72"/>
+      </a:folHlink>
+    </a:clrScheme>
+    <a:fontScheme name="Office">
+      <a:majorFont>
+        <a:latin typeface="Calibri Light" panose="020F0302020204030204"/>
+        <a:ea typeface=""/>
+        <a:cs typeface=""/>
+        <a:font script="Jpan" typeface="游ゴシック Light"/>
+        <a:font script="Hang" typeface="맑은 고딕"/>
+        <a:font script="Hans" typeface="等线 Light"/>
+        <a:font script="Hant" typeface="新細明體"/>
+        <a:font script="Arab" typeface="Times New Roman"/>
+        <a:font script="Hebr" typeface="Times New Roman"/>
+        <a:font script="Thai" typeface="Angsana New"/>
+        <a:font script="Ethi" typeface="Nyala"/>
+        <a:font script="Beng" typeface="Vrinda"/>
+        <a:font script="Gujr" typeface="Shruti"/>
+        <a:font script="Khmr" typeface="MoolBoran"/>
+        <a:font script="Knda" typeface="Tunga"/>
+        <a:font script="Guru" typeface="Raavi"/>
+        <a:font script="Cans" typeface="Euphemia"/>
+        <a:font script="Cher" typeface="Plantagenet Cherokee"/>
+        <a:font script="Yiii" typeface="Microsoft Yi Baiti"/>
+        <a:font script="Tibt" typeface="Microsoft Himalaya"/>
+        <a:font script="Thaa" typeface="MV Boli"/>
+        <a:font script="Deva" typeface="Mangal"/>
+        <a:font script="Telu" typeface="Gautami"/>
+        <a:font script="Taml" typeface="Latha"/>
+        <a:font script="Syrc" typeface="Estrangelo Edessa"/>
+        <a:font script="Orya" typeface="Kalinga"/>
+        <a:font script="Mlym" typeface="Kartika"/>
+        <a:font script="Laoo" typeface="DokChampa"/>
+        <a:font script="Sinh" typeface="Iskoola Pota"/>
+        <a:font script="Mong" typeface="Mongolian Baiti"/>
+        <a:font script="Viet" typeface="Times New Roman"/>
+        <a:font script="Uigh" typeface="Microsoft Uighur"/>
+        <a:font script="Geor" typeface="Sylfaen"/>
+        <a:font script="Armn" typeface="Arial"/>
+        <a:font script="Bugi" typeface="Leelawadee UI"/>
+        <a:font script="Bopo" typeface="Microsoft JhengHei"/>
+        <a:font script="Java" typeface="Javanese Text"/>
+        <a:font script="Lisu" typeface="Segoe UI"/>
+        <a:font script="Mymr" typeface="Myanmar Text"/>
+        <a:font script="Nkoo" typeface="Ebrima"/>
+        <a:font script="Olck" typeface="Nirmala UI"/>
+        <a:font script="Osma" typeface="Ebrima"/>
+        <a:font script="Phag" typeface="Phagspa"/>
+        <a:font script="Syrn" typeface="Estrangelo Edessa"/>
+        <a:font script="Syrj" typeface="Estrangelo Edessa"/>
+        <a:font script="Syre" typeface="Estrangelo Edessa"/>
+        <a:font script="Sora" typeface="Nirmala UI"/>
+        <a:font script="Tale" typeface="Microsoft Tai Le"/>
+        <a:font script="Talu" typeface="Microsoft New Tai Lue"/>
+        <a:font script="Tfng" typeface="Ebrima"/>
+      </a:majorFont>
+      <a:minorFont>
+        <a:latin typeface="Calibri" panose="020F0502020204030204"/>
+        <a:ea typeface=""/>
+        <a:cs typeface=""/>
+        <a:font script="Jpan" typeface="游ゴシック"/>
+        <a:font script="Hang" typeface="맑은 고딕"/>
+        <a:font script="Hans" typeface="等线"/>
+        <a:font script="Hant" typeface="新細明體"/>
+        <a:font script="Arab" typeface="Arial"/>
+        <a:font script="Hebr" typeface="Arial"/>
+        <a:font script="Thai" typeface="Cordia New"/>
+        <a:font script="Ethi" typeface="Nyala"/>
+        <a:font script="Beng" typeface="Vrinda"/>
+        <a:font script="Gujr" typeface="Shruti"/>
+        <a:font script="Khmr" typeface="DaunPenh"/>
+        <a:font script="Knda" typeface="Tunga"/>
+        <a:font script="Guru" typeface="Raavi"/>
+        <a:font script="Cans" typeface="Euphemia"/>
+        <a:font script="Cher" typeface="Plantagenet Cherokee"/>
+        <a:font script="Yiii" typeface="Microsoft Yi Baiti"/>
+        <a:font script="Tibt" typeface="Microsoft Himalaya"/>
+        <a:font script="Thaa" typeface="MV Boli"/>
+        <a:font script="Deva" typeface="Mangal"/>
+        <a:font script="Telu" typeface="Gautami"/>
+        <a:font script="Taml" typeface="Latha"/>
+        <a:font script="Syrc" typeface="Estrangelo Edessa"/>
+        <a:font script="Orya" typeface="Kalinga"/>
+        <a:font script="Mlym" typeface="Kartika"/>
+        <a:font script="Laoo" typeface="DokChampa"/>
+        <a:font script="Sinh" typeface="Iskoola Pota"/>
+        <a:font script="Mong" typeface="Mongolian Baiti"/>
+        <a:font script="Viet" typeface="Arial"/>
+        <a:font script="Uigh" typeface="Microsoft Uighur"/>
+        <a:font script="Geor" typeface="Sylfaen"/>
+        <a:font script="Armn" typeface="Arial"/>
+        <a:font script="Bugi" typeface="Leelawadee UI"/>
+        <a:font script="Bopo" typeface="Microsoft JhengHei"/>
+        <a:font script="Java" typeface="Javanese Text"/>
+        <a:font script="Lisu" typeface="Segoe UI"/>
+        <a:font script="Mymr" typeface="Myanmar Text"/>
+        <a:font script="Nkoo" typeface="Ebrima"/>
+        <a:font script="Olck" typeface="Nirmala UI"/>
+        <a:font script="Osma" typeface="Ebrima"/>
+        <a:font script="Phag" typeface="Phagspa"/>
+        <a:font script="Syrn" typeface="Estrangelo Edessa"/>
+        <a:font script="Syrj" typeface="Estrangelo Edessa"/>
+        <a:font script="Syre" typeface="Estrangelo Edessa"/>
+        <a:font script="Sora" typeface="Nirmala UI"/>
+        <a:font script="Tale" typeface="Microsoft Tai Le"/>
+        <a:font script="Talu" typeface="Microsoft New Tai Lue"/>
+        <a:font script="Tfng" typeface="Ebrima"/>
+      </a:minorFont>
+    </a:fontScheme>
+    <a:fmtScheme name="Office">
+      <a:fillStyleLst>
+        <a:solidFill>
+          <a:schemeClr val="phClr"/>
+        </a:solidFill>
+        <a:gradFill rotWithShape="1">
+          <a:gsLst>
+            <a:gs pos="0">
+              <a:schemeClr val="phClr">
+                <a:lumMod val="110000"/>
+                <a:satMod val="105000"/>
+                <a:tint val="67000"/>
+              </a:schemeClr>
+            </a:gs>
+            <a:gs pos="50000">
+              <a:schemeClr val="phClr">
+                <a:lumMod val="105000"/>
+                <a:satMod val="103000"/>
+                <a:tint val="73000"/>
+              </a:schemeClr>
+            </a:gs>
+            <a:gs pos="100000">
+              <a:schemeClr val="phClr">
+                <a:lumMod val="105000"/>
+                <a:satMod val="109000"/>
+                <a:tint val="81000"/>
+              </a:schemeClr>
+            </a:gs>
+          </a:gsLst>
+          <a:lin ang="5400000" scaled="0"/>
+        </a:gradFill>
+        <a:gradFill rotWithShape="1">
+          <a:gsLst>
+            <a:gs pos="0">
+              <a:schemeClr val="phClr">
+                <a:satMod val="103000"/>
+                <a:lumMod val="102000"/>
+                <a:tint val="94000"/>
+              </a:schemeClr>
+            </a:gs>
+            <a:gs pos="50000">
+              <a:schemeClr val="phClr">
+                <a:satMod val="110000"/>
+                <a:lumMod val="100000"/>
+                <a:shade val="100000"/>
+              </a:schemeClr>
+            </a:gs>
+            <a:gs pos="100000">
+              <a:schemeClr val="phClr">
+                <a:lumMod val="99000"/>
+                <a:satMod val="120000"/>
+                <a:shade val="78000"/>
+              </a:schemeClr>
+            </a:gs>
+          </a:gsLst>
+          <a:lin ang="5400000" scaled="0"/>
+        </a:gradFill>
+      </a:fillStyleLst>
+      <a:lnStyleLst>
+        <a:ln w="6350" cap="flat" cmpd="sng" algn="ctr">
+          <a:solidFill>
+            <a:schemeClr val="phClr"/>
+          </a:solidFill>
+          <a:prstDash val="solid"/>
+          <a:miter lim="800000"/>
+        </a:ln>
+        <a:ln w="12700" cap="flat" cmpd="sng" algn="ctr">
+          <a:solidFill>
+            <a:schemeClr val="phClr"/>
+          </a:solidFill>
+          <a:prstDash val="solid"/>
+          <a:miter lim="800000"/>
+        </a:ln>
+        <a:ln w="19050" cap="flat" cmpd="sng" algn="ctr">
+          <a:solidFill>
+            <a:schemeClr val="phClr"/>
+          </a:solidFill>
+          <a:prstDash val="solid"/>
+          <a:miter lim="800000"/>
+        </a:ln>
+      </a:lnStyleLst>
+      <a:effectStyleLst>
+        <a:effectStyle>
+          <a:effectLst/>
+        </a:effectStyle>
+        <a:effectStyle>
+          <a:effectLst/>
+        </a:effectStyle>
+        <a:effectStyle>
+          <a:effectLst>
+            <a:outerShdw blurRad="57150" dist="19050" dir="5400000" algn="ctr" rotWithShape="0">
+              <a:srgbClr val="000000">
+                <a:alpha val="63000"/>
+              </a:srgbClr>
+            </a:outerShdw>
+          </a:effectLst>
+        </a:effectStyle>
+      </a:effectStyleLst>
+      <a:bgFillStyleLst>
+        <a:solidFill>
+          <a:schemeClr val="phClr"/>
+        </a:solidFill>
+        <a:solidFill>
+          <a:schemeClr val="phClr">
+            <a:tint val="95000"/>
+            <a:satMod val="170000"/>
+          </a:schemeClr>
+        </a:solidFill>
+        <a:gradFill rotWithShape="1">
+          <a:gsLst>
+            <a:gs pos="0">
+              <a:schemeClr val="phClr">
+                <a:tint val="93000"/>
+                <a:satMod val="150000"/>
+                <a:shade val="98000"/>
+                <a:lumMod val="102000"/>
+              </a:schemeClr>
+            </a:gs>
+            <a:gs pos="50000">
+              <a:schemeClr val="phClr">
+                <a:tint val="98000"/>
+                <a:satMod val="130000"/>
+                <a:shade val="90000"/>
+                <a:lumMod val="103000"/>
+              </a:schemeClr>
+            </a:gs>
+            <a:gs pos="100000">
+              <a:schemeClr val="phClr">
+                <a:shade val="63000"/>
+                <a:satMod val="120000"/>
+              </a:schemeClr>
+            </a:gs>
+          </a:gsLst>
+          <a:lin ang="5400000" scaled="0"/>
+        </a:gradFill>
+      </a:bgFillStyleLst>
+    </a:fmtScheme>
+  </a:themeElements>
+  <a:objectDefaults/>
+  <a:extraClrSchemeLst/>
+  <a:extLst>
+    <a:ext uri="{05A4C25C-085E-4340-85A3-A5531E510DB2}">
+      <thm15:themeFamily xmlns:thm15="http://schemas.microsoft.com/office/thememl/2012/main" name="Office Theme" id="{62F939B6-93AF-4DB8-9C6B-D6C7DFDC589F}" vid="{4A3C46E8-61CC-4603-A589-7422A47A8E4A}"/>
+    </a:ext>
+  </a:extLst>
+</a:theme>
 </file>